--- a/SamplePPT.pptx
+++ b/SamplePPT.pptx
@@ -12,6 +12,7 @@
     <p:sldId id="260" r:id="rId6"/>
     <p:sldId id="261" r:id="rId7"/>
     <p:sldId id="262" r:id="rId8"/>
+    <p:sldId id="263" r:id="rId9"/>
   </p:sldIdLst>
   <p:sldSz cx="9144000" cy="6858000" type="screen4x3"/>
   <p:notesSz cx="6858000" cy="9144000"/>
@@ -167,10 +168,9 @@
           <a:lstStyle/>
           <a:p>
             <a:r>
-              <a:rPr lang="en-US" smtClean="0"/>
+              <a:rPr lang="en-US"/>
               <a:t>Click to edit Master title style</a:t>
             </a:r>
-            <a:endParaRPr lang="en-US"/>
           </a:p>
         </p:txBody>
       </p:sp>
@@ -286,10 +286,9 @@
           </a:lstStyle>
           <a:p>
             <a:r>
-              <a:rPr lang="en-US" smtClean="0"/>
+              <a:rPr lang="en-US"/>
               <a:t>Click to edit Master subtitle style</a:t>
             </a:r>
-            <a:endParaRPr lang="en-US"/>
           </a:p>
         </p:txBody>
       </p:sp>
@@ -310,7 +309,7 @@
           <a:p>
             <a:fld id="{241EB5C9-1307-BA42-ABA2-0BC069CD8E7F}" type="datetimeFigureOut">
               <a:rPr lang="en-US" smtClean="0"/>
-              <a:t>4/5/2019</a:t>
+              <a:t>11/18/20</a:t>
             </a:fld>
             <a:endParaRPr lang="en-US"/>
           </a:p>
@@ -404,10 +403,9 @@
           <a:lstStyle/>
           <a:p>
             <a:r>
-              <a:rPr lang="en-US" smtClean="0"/>
+              <a:rPr lang="en-US"/>
               <a:t>Click to edit Master title style</a:t>
             </a:r>
-            <a:endParaRPr lang="en-US"/>
           </a:p>
         </p:txBody>
       </p:sp>
@@ -428,38 +426,37 @@
           <a:p>
             <a:pPr lvl="0"/>
             <a:r>
-              <a:rPr lang="en-US" smtClean="0"/>
+              <a:rPr lang="en-US"/>
               <a:t>Click to edit Master text styles</a:t>
             </a:r>
           </a:p>
           <a:p>
             <a:pPr lvl="1"/>
             <a:r>
-              <a:rPr lang="en-US" smtClean="0"/>
+              <a:rPr lang="en-US"/>
               <a:t>Second level</a:t>
             </a:r>
           </a:p>
           <a:p>
             <a:pPr lvl="2"/>
             <a:r>
-              <a:rPr lang="en-US" smtClean="0"/>
+              <a:rPr lang="en-US"/>
               <a:t>Third level</a:t>
             </a:r>
           </a:p>
           <a:p>
             <a:pPr lvl="3"/>
             <a:r>
-              <a:rPr lang="en-US" smtClean="0"/>
+              <a:rPr lang="en-US"/>
               <a:t>Fourth level</a:t>
             </a:r>
           </a:p>
           <a:p>
             <a:pPr lvl="4"/>
             <a:r>
-              <a:rPr lang="en-US" smtClean="0"/>
+              <a:rPr lang="en-US"/>
               <a:t>Fifth level</a:t>
             </a:r>
-            <a:endParaRPr lang="en-US"/>
           </a:p>
         </p:txBody>
       </p:sp>
@@ -480,7 +477,7 @@
           <a:p>
             <a:fld id="{241EB5C9-1307-BA42-ABA2-0BC069CD8E7F}" type="datetimeFigureOut">
               <a:rPr lang="en-US" smtClean="0"/>
-              <a:t>4/5/2019</a:t>
+              <a:t>11/18/20</a:t>
             </a:fld>
             <a:endParaRPr lang="en-US"/>
           </a:p>
@@ -579,10 +576,9 @@
           <a:lstStyle/>
           <a:p>
             <a:r>
-              <a:rPr lang="en-US" smtClean="0"/>
+              <a:rPr lang="en-US"/>
               <a:t>Click to edit Master title style</a:t>
             </a:r>
-            <a:endParaRPr lang="en-US"/>
           </a:p>
         </p:txBody>
       </p:sp>
@@ -608,38 +604,37 @@
           <a:p>
             <a:pPr lvl="0"/>
             <a:r>
-              <a:rPr lang="en-US" smtClean="0"/>
+              <a:rPr lang="en-US"/>
               <a:t>Click to edit Master text styles</a:t>
             </a:r>
           </a:p>
           <a:p>
             <a:pPr lvl="1"/>
             <a:r>
-              <a:rPr lang="en-US" smtClean="0"/>
+              <a:rPr lang="en-US"/>
               <a:t>Second level</a:t>
             </a:r>
           </a:p>
           <a:p>
             <a:pPr lvl="2"/>
             <a:r>
-              <a:rPr lang="en-US" smtClean="0"/>
+              <a:rPr lang="en-US"/>
               <a:t>Third level</a:t>
             </a:r>
           </a:p>
           <a:p>
             <a:pPr lvl="3"/>
             <a:r>
-              <a:rPr lang="en-US" smtClean="0"/>
+              <a:rPr lang="en-US"/>
               <a:t>Fourth level</a:t>
             </a:r>
           </a:p>
           <a:p>
             <a:pPr lvl="4"/>
             <a:r>
-              <a:rPr lang="en-US" smtClean="0"/>
+              <a:rPr lang="en-US"/>
               <a:t>Fifth level</a:t>
             </a:r>
-            <a:endParaRPr lang="en-US"/>
           </a:p>
         </p:txBody>
       </p:sp>
@@ -660,7 +655,7 @@
           <a:p>
             <a:fld id="{241EB5C9-1307-BA42-ABA2-0BC069CD8E7F}" type="datetimeFigureOut">
               <a:rPr lang="en-US" smtClean="0"/>
-              <a:t>4/5/2019</a:t>
+              <a:t>11/18/20</a:t>
             </a:fld>
             <a:endParaRPr lang="en-US"/>
           </a:p>
@@ -754,10 +749,9 @@
           <a:lstStyle/>
           <a:p>
             <a:r>
-              <a:rPr lang="en-US" smtClean="0"/>
+              <a:rPr lang="en-US"/>
               <a:t>Click to edit Master title style</a:t>
             </a:r>
-            <a:endParaRPr lang="en-US"/>
           </a:p>
         </p:txBody>
       </p:sp>
@@ -778,38 +772,37 @@
           <a:p>
             <a:pPr lvl="0"/>
             <a:r>
-              <a:rPr lang="en-US" smtClean="0"/>
+              <a:rPr lang="en-US"/>
               <a:t>Click to edit Master text styles</a:t>
             </a:r>
           </a:p>
           <a:p>
             <a:pPr lvl="1"/>
             <a:r>
-              <a:rPr lang="en-US" smtClean="0"/>
+              <a:rPr lang="en-US"/>
               <a:t>Second level</a:t>
             </a:r>
           </a:p>
           <a:p>
             <a:pPr lvl="2"/>
             <a:r>
-              <a:rPr lang="en-US" smtClean="0"/>
+              <a:rPr lang="en-US"/>
               <a:t>Third level</a:t>
             </a:r>
           </a:p>
           <a:p>
             <a:pPr lvl="3"/>
             <a:r>
-              <a:rPr lang="en-US" smtClean="0"/>
+              <a:rPr lang="en-US"/>
               <a:t>Fourth level</a:t>
             </a:r>
           </a:p>
           <a:p>
             <a:pPr lvl="4"/>
             <a:r>
-              <a:rPr lang="en-US" smtClean="0"/>
+              <a:rPr lang="en-US"/>
               <a:t>Fifth level</a:t>
             </a:r>
-            <a:endParaRPr lang="en-US"/>
           </a:p>
         </p:txBody>
       </p:sp>
@@ -830,7 +823,7 @@
           <a:p>
             <a:fld id="{241EB5C9-1307-BA42-ABA2-0BC069CD8E7F}" type="datetimeFigureOut">
               <a:rPr lang="en-US" smtClean="0"/>
-              <a:t>4/5/2019</a:t>
+              <a:t>11/18/20</a:t>
             </a:fld>
             <a:endParaRPr lang="en-US"/>
           </a:p>
@@ -933,10 +926,9 @@
           </a:lstStyle>
           <a:p>
             <a:r>
-              <a:rPr lang="en-US" smtClean="0"/>
+              <a:rPr lang="en-US"/>
               <a:t>Click to edit Master title style</a:t>
             </a:r>
-            <a:endParaRPr lang="en-US"/>
           </a:p>
         </p:txBody>
       </p:sp>
@@ -1053,7 +1045,7 @@
           <a:p>
             <a:pPr lvl="0"/>
             <a:r>
-              <a:rPr lang="en-US" smtClean="0"/>
+              <a:rPr lang="en-US"/>
               <a:t>Click to edit Master text styles</a:t>
             </a:r>
           </a:p>
@@ -1076,7 +1068,7 @@
           <a:p>
             <a:fld id="{241EB5C9-1307-BA42-ABA2-0BC069CD8E7F}" type="datetimeFigureOut">
               <a:rPr lang="en-US" smtClean="0"/>
-              <a:t>4/5/2019</a:t>
+              <a:t>11/18/20</a:t>
             </a:fld>
             <a:endParaRPr lang="en-US"/>
           </a:p>
@@ -1170,10 +1162,9 @@
           <a:lstStyle/>
           <a:p>
             <a:r>
-              <a:rPr lang="en-US" smtClean="0"/>
+              <a:rPr lang="en-US"/>
               <a:t>Click to edit Master title style</a:t>
             </a:r>
-            <a:endParaRPr lang="en-US"/>
           </a:p>
         </p:txBody>
       </p:sp>
@@ -1227,38 +1218,37 @@
           <a:p>
             <a:pPr lvl="0"/>
             <a:r>
-              <a:rPr lang="en-US" smtClean="0"/>
+              <a:rPr lang="en-US"/>
               <a:t>Click to edit Master text styles</a:t>
             </a:r>
           </a:p>
           <a:p>
             <a:pPr lvl="1"/>
             <a:r>
-              <a:rPr lang="en-US" smtClean="0"/>
+              <a:rPr lang="en-US"/>
               <a:t>Second level</a:t>
             </a:r>
           </a:p>
           <a:p>
             <a:pPr lvl="2"/>
             <a:r>
-              <a:rPr lang="en-US" smtClean="0"/>
+              <a:rPr lang="en-US"/>
               <a:t>Third level</a:t>
             </a:r>
           </a:p>
           <a:p>
             <a:pPr lvl="3"/>
             <a:r>
-              <a:rPr lang="en-US" smtClean="0"/>
+              <a:rPr lang="en-US"/>
               <a:t>Fourth level</a:t>
             </a:r>
           </a:p>
           <a:p>
             <a:pPr lvl="4"/>
             <a:r>
-              <a:rPr lang="en-US" smtClean="0"/>
+              <a:rPr lang="en-US"/>
               <a:t>Fifth level</a:t>
             </a:r>
-            <a:endParaRPr lang="en-US"/>
           </a:p>
         </p:txBody>
       </p:sp>
@@ -1312,38 +1302,37 @@
           <a:p>
             <a:pPr lvl="0"/>
             <a:r>
-              <a:rPr lang="en-US" smtClean="0"/>
+              <a:rPr lang="en-US"/>
               <a:t>Click to edit Master text styles</a:t>
             </a:r>
           </a:p>
           <a:p>
             <a:pPr lvl="1"/>
             <a:r>
-              <a:rPr lang="en-US" smtClean="0"/>
+              <a:rPr lang="en-US"/>
               <a:t>Second level</a:t>
             </a:r>
           </a:p>
           <a:p>
             <a:pPr lvl="2"/>
             <a:r>
-              <a:rPr lang="en-US" smtClean="0"/>
+              <a:rPr lang="en-US"/>
               <a:t>Third level</a:t>
             </a:r>
           </a:p>
           <a:p>
             <a:pPr lvl="3"/>
             <a:r>
-              <a:rPr lang="en-US" smtClean="0"/>
+              <a:rPr lang="en-US"/>
               <a:t>Fourth level</a:t>
             </a:r>
           </a:p>
           <a:p>
             <a:pPr lvl="4"/>
             <a:r>
-              <a:rPr lang="en-US" smtClean="0"/>
+              <a:rPr lang="en-US"/>
               <a:t>Fifth level</a:t>
             </a:r>
-            <a:endParaRPr lang="en-US"/>
           </a:p>
         </p:txBody>
       </p:sp>
@@ -1364,7 +1353,7 @@
           <a:p>
             <a:fld id="{241EB5C9-1307-BA42-ABA2-0BC069CD8E7F}" type="datetimeFigureOut">
               <a:rPr lang="en-US" smtClean="0"/>
-              <a:t>4/5/2019</a:t>
+              <a:t>11/18/20</a:t>
             </a:fld>
             <a:endParaRPr lang="en-US"/>
           </a:p>
@@ -1462,10 +1451,9 @@
           </a:lstStyle>
           <a:p>
             <a:r>
-              <a:rPr lang="en-US" smtClean="0"/>
+              <a:rPr lang="en-US"/>
               <a:t>Click to edit Master title style</a:t>
             </a:r>
-            <a:endParaRPr lang="en-US"/>
           </a:p>
         </p:txBody>
       </p:sp>
@@ -1528,7 +1516,7 @@
           <a:p>
             <a:pPr lvl="0"/>
             <a:r>
-              <a:rPr lang="en-US" smtClean="0"/>
+              <a:rPr lang="en-US"/>
               <a:t>Click to edit Master text styles</a:t>
             </a:r>
           </a:p>
@@ -1584,38 +1572,37 @@
           <a:p>
             <a:pPr lvl="0"/>
             <a:r>
-              <a:rPr lang="en-US" smtClean="0"/>
+              <a:rPr lang="en-US"/>
               <a:t>Click to edit Master text styles</a:t>
             </a:r>
           </a:p>
           <a:p>
             <a:pPr lvl="1"/>
             <a:r>
-              <a:rPr lang="en-US" smtClean="0"/>
+              <a:rPr lang="en-US"/>
               <a:t>Second level</a:t>
             </a:r>
           </a:p>
           <a:p>
             <a:pPr lvl="2"/>
             <a:r>
-              <a:rPr lang="en-US" smtClean="0"/>
+              <a:rPr lang="en-US"/>
               <a:t>Third level</a:t>
             </a:r>
           </a:p>
           <a:p>
             <a:pPr lvl="3"/>
             <a:r>
-              <a:rPr lang="en-US" smtClean="0"/>
+              <a:rPr lang="en-US"/>
               <a:t>Fourth level</a:t>
             </a:r>
           </a:p>
           <a:p>
             <a:pPr lvl="4"/>
             <a:r>
-              <a:rPr lang="en-US" smtClean="0"/>
+              <a:rPr lang="en-US"/>
               <a:t>Fifth level</a:t>
             </a:r>
-            <a:endParaRPr lang="en-US"/>
           </a:p>
         </p:txBody>
       </p:sp>
@@ -1678,7 +1665,7 @@
           <a:p>
             <a:pPr lvl="0"/>
             <a:r>
-              <a:rPr lang="en-US" smtClean="0"/>
+              <a:rPr lang="en-US"/>
               <a:t>Click to edit Master text styles</a:t>
             </a:r>
           </a:p>
@@ -1734,38 +1721,37 @@
           <a:p>
             <a:pPr lvl="0"/>
             <a:r>
-              <a:rPr lang="en-US" smtClean="0"/>
+              <a:rPr lang="en-US"/>
               <a:t>Click to edit Master text styles</a:t>
             </a:r>
           </a:p>
           <a:p>
             <a:pPr lvl="1"/>
             <a:r>
-              <a:rPr lang="en-US" smtClean="0"/>
+              <a:rPr lang="en-US"/>
               <a:t>Second level</a:t>
             </a:r>
           </a:p>
           <a:p>
             <a:pPr lvl="2"/>
             <a:r>
-              <a:rPr lang="en-US" smtClean="0"/>
+              <a:rPr lang="en-US"/>
               <a:t>Third level</a:t>
             </a:r>
           </a:p>
           <a:p>
             <a:pPr lvl="3"/>
             <a:r>
-              <a:rPr lang="en-US" smtClean="0"/>
+              <a:rPr lang="en-US"/>
               <a:t>Fourth level</a:t>
             </a:r>
           </a:p>
           <a:p>
             <a:pPr lvl="4"/>
             <a:r>
-              <a:rPr lang="en-US" smtClean="0"/>
+              <a:rPr lang="en-US"/>
               <a:t>Fifth level</a:t>
             </a:r>
-            <a:endParaRPr lang="en-US"/>
           </a:p>
         </p:txBody>
       </p:sp>
@@ -1786,7 +1772,7 @@
           <a:p>
             <a:fld id="{241EB5C9-1307-BA42-ABA2-0BC069CD8E7F}" type="datetimeFigureOut">
               <a:rPr lang="en-US" smtClean="0"/>
-              <a:t>4/5/2019</a:t>
+              <a:t>11/18/20</a:t>
             </a:fld>
             <a:endParaRPr lang="en-US"/>
           </a:p>
@@ -1880,10 +1866,9 @@
           <a:lstStyle/>
           <a:p>
             <a:r>
-              <a:rPr lang="en-US" smtClean="0"/>
+              <a:rPr lang="en-US"/>
               <a:t>Click to edit Master title style</a:t>
             </a:r>
-            <a:endParaRPr lang="en-US"/>
           </a:p>
         </p:txBody>
       </p:sp>
@@ -1904,7 +1889,7 @@
           <a:p>
             <a:fld id="{241EB5C9-1307-BA42-ABA2-0BC069CD8E7F}" type="datetimeFigureOut">
               <a:rPr lang="en-US" smtClean="0"/>
-              <a:t>4/5/2019</a:t>
+              <a:t>11/18/20</a:t>
             </a:fld>
             <a:endParaRPr lang="en-US"/>
           </a:p>
@@ -1999,7 +1984,7 @@
           <a:p>
             <a:fld id="{241EB5C9-1307-BA42-ABA2-0BC069CD8E7F}" type="datetimeFigureOut">
               <a:rPr lang="en-US" smtClean="0"/>
-              <a:t>4/5/2019</a:t>
+              <a:t>11/18/20</a:t>
             </a:fld>
             <a:endParaRPr lang="en-US"/>
           </a:p>
@@ -2102,10 +2087,9 @@
           </a:lstStyle>
           <a:p>
             <a:r>
-              <a:rPr lang="en-US" smtClean="0"/>
+              <a:rPr lang="en-US"/>
               <a:t>Click to edit Master title style</a:t>
             </a:r>
-            <a:endParaRPr lang="en-US"/>
           </a:p>
         </p:txBody>
       </p:sp>
@@ -2159,38 +2143,37 @@
           <a:p>
             <a:pPr lvl="0"/>
             <a:r>
-              <a:rPr lang="en-US" smtClean="0"/>
+              <a:rPr lang="en-US"/>
               <a:t>Click to edit Master text styles</a:t>
             </a:r>
           </a:p>
           <a:p>
             <a:pPr lvl="1"/>
             <a:r>
-              <a:rPr lang="en-US" smtClean="0"/>
+              <a:rPr lang="en-US"/>
               <a:t>Second level</a:t>
             </a:r>
           </a:p>
           <a:p>
             <a:pPr lvl="2"/>
             <a:r>
-              <a:rPr lang="en-US" smtClean="0"/>
+              <a:rPr lang="en-US"/>
               <a:t>Third level</a:t>
             </a:r>
           </a:p>
           <a:p>
             <a:pPr lvl="3"/>
             <a:r>
-              <a:rPr lang="en-US" smtClean="0"/>
+              <a:rPr lang="en-US"/>
               <a:t>Fourth level</a:t>
             </a:r>
           </a:p>
           <a:p>
             <a:pPr lvl="4"/>
             <a:r>
-              <a:rPr lang="en-US" smtClean="0"/>
+              <a:rPr lang="en-US"/>
               <a:t>Fifth level</a:t>
             </a:r>
-            <a:endParaRPr lang="en-US"/>
           </a:p>
         </p:txBody>
       </p:sp>
@@ -2253,7 +2236,7 @@
           <a:p>
             <a:pPr lvl="0"/>
             <a:r>
-              <a:rPr lang="en-US" smtClean="0"/>
+              <a:rPr lang="en-US"/>
               <a:t>Click to edit Master text styles</a:t>
             </a:r>
           </a:p>
@@ -2276,7 +2259,7 @@
           <a:p>
             <a:fld id="{241EB5C9-1307-BA42-ABA2-0BC069CD8E7F}" type="datetimeFigureOut">
               <a:rPr lang="en-US" smtClean="0"/>
-              <a:t>4/5/2019</a:t>
+              <a:t>11/18/20</a:t>
             </a:fld>
             <a:endParaRPr lang="en-US"/>
           </a:p>
@@ -2379,10 +2362,9 @@
           </a:lstStyle>
           <a:p>
             <a:r>
-              <a:rPr lang="en-US" smtClean="0"/>
+              <a:rPr lang="en-US"/>
               <a:t>Click to edit Master title style</a:t>
             </a:r>
-            <a:endParaRPr lang="en-US"/>
           </a:p>
         </p:txBody>
       </p:sp>
@@ -2506,7 +2488,7 @@
           <a:p>
             <a:pPr lvl="0"/>
             <a:r>
-              <a:rPr lang="en-US" smtClean="0"/>
+              <a:rPr lang="en-US"/>
               <a:t>Click to edit Master text styles</a:t>
             </a:r>
           </a:p>
@@ -2529,7 +2511,7 @@
           <a:p>
             <a:fld id="{241EB5C9-1307-BA42-ABA2-0BC069CD8E7F}" type="datetimeFigureOut">
               <a:rPr lang="en-US" smtClean="0"/>
-              <a:t>4/5/2019</a:t>
+              <a:t>11/18/20</a:t>
             </a:fld>
             <a:endParaRPr lang="en-US"/>
           </a:p>
@@ -2638,10 +2620,9 @@
           <a:lstStyle/>
           <a:p>
             <a:r>
-              <a:rPr lang="en-US" smtClean="0"/>
+              <a:rPr lang="en-US"/>
               <a:t>Click to edit Master title style</a:t>
             </a:r>
-            <a:endParaRPr lang="en-US"/>
           </a:p>
         </p:txBody>
       </p:sp>
@@ -2672,38 +2653,37 @@
           <a:p>
             <a:pPr lvl="0"/>
             <a:r>
-              <a:rPr lang="en-US" smtClean="0"/>
+              <a:rPr lang="en-US"/>
               <a:t>Click to edit Master text styles</a:t>
             </a:r>
           </a:p>
           <a:p>
             <a:pPr lvl="1"/>
             <a:r>
-              <a:rPr lang="en-US" smtClean="0"/>
+              <a:rPr lang="en-US"/>
               <a:t>Second level</a:t>
             </a:r>
           </a:p>
           <a:p>
             <a:pPr lvl="2"/>
             <a:r>
-              <a:rPr lang="en-US" smtClean="0"/>
+              <a:rPr lang="en-US"/>
               <a:t>Third level</a:t>
             </a:r>
           </a:p>
           <a:p>
             <a:pPr lvl="3"/>
             <a:r>
-              <a:rPr lang="en-US" smtClean="0"/>
+              <a:rPr lang="en-US"/>
               <a:t>Fourth level</a:t>
             </a:r>
           </a:p>
           <a:p>
             <a:pPr lvl="4"/>
             <a:r>
-              <a:rPr lang="en-US" smtClean="0"/>
+              <a:rPr lang="en-US"/>
               <a:t>Fifth level</a:t>
             </a:r>
-            <a:endParaRPr lang="en-US"/>
           </a:p>
         </p:txBody>
       </p:sp>
@@ -2742,7 +2722,7 @@
           <a:p>
             <a:fld id="{241EB5C9-1307-BA42-ABA2-0BC069CD8E7F}" type="datetimeFigureOut">
               <a:rPr lang="en-US" smtClean="0"/>
-              <a:t>4/5/2019</a:t>
+              <a:t>11/18/20</a:t>
             </a:fld>
             <a:endParaRPr lang="en-US"/>
           </a:p>
@@ -3137,28 +3117,11 @@
           <a:bodyPr/>
           <a:lstStyle/>
           <a:p>
-            <a:pPr lvl="0" marL="0" indent="0">
+            <a:pPr marL="0" lvl="0" indent="0">
               <a:buNone/>
             </a:pPr>
             <a:r>
-              <a:rPr/>
-              <a:t>SamplePPT</a:t>
-            </a:r>
-            <a:r>
-              <a:rPr/>
-              <a:t> </a:t>
-            </a:r>
-            <a:r>
-              <a:rPr/>
-              <a:t>(PERSI</a:t>
-            </a:r>
-            <a:r>
-              <a:rPr/>
-              <a:t> </a:t>
-            </a:r>
-            <a:r>
-              <a:rPr/>
-              <a:t>graphs)</a:t>
+              <a:t>SamplePPT (PERSI graphs)</a:t>
             </a:r>
           </a:p>
         </p:txBody>
@@ -3183,38 +3146,13 @@
           <a:bodyPr/>
           <a:lstStyle/>
           <a:p>
-            <a:pPr lvl="0" marL="0" indent="0">
+            <a:pPr marL="0" lvl="0" indent="0">
               <a:buNone/>
             </a:pPr>
             <a:br/>
             <a:br/>
             <a:r>
-              <a:rPr/>
-              <a:t>Anil,</a:t>
-            </a:r>
-            <a:r>
-              <a:rPr/>
-              <a:t> </a:t>
-            </a:r>
-            <a:r>
-              <a:rPr/>
-              <a:t>Swaroop</a:t>
-            </a:r>
-            <a:r>
-              <a:rPr/>
-              <a:t> </a:t>
-            </a:r>
-            <a:r>
-              <a:rPr/>
-              <a:t>&amp;</a:t>
-            </a:r>
-            <a:r>
-              <a:rPr/>
-              <a:t> </a:t>
-            </a:r>
-            <a:r>
-              <a:rPr/>
-              <a:t>Jen</a:t>
+              <a:t>Anil, Swaroop &amp; Jen</a:t>
             </a:r>
           </a:p>
         </p:txBody>
@@ -3234,11 +3172,10 @@
           <a:bodyPr/>
           <a:lstStyle/>
           <a:p>
-            <a:pPr lvl="0" marL="0" indent="0">
+            <a:pPr marL="0" lvl="0" indent="0">
               <a:buNone/>
             </a:pPr>
             <a:r>
-              <a:rPr/>
               <a:t>11/12/2020</a:t>
             </a:r>
           </a:p>
@@ -3246,6 +3183,9 @@
       </p:sp>
     </p:spTree>
   </p:cSld>
+  <p:clrMapOvr>
+    <a:masterClrMapping/>
+  </p:clrMapOvr>
 </p:sld>
 </file>
 
@@ -3281,83 +3221,18 @@
           <a:bodyPr/>
           <a:lstStyle/>
           <a:p>
-            <a:pPr lvl="0" marL="0" indent="0">
+            <a:pPr marL="0" lvl="0" indent="0">
               <a:buNone/>
             </a:pPr>
             <a:r>
-              <a:rPr/>
-              <a:t>A</a:t>
-            </a:r>
-            <a:r>
-              <a:rPr/>
-              <a:t> </a:t>
-            </a:r>
-            <a:r>
-              <a:rPr/>
-              <a:t>History</a:t>
-            </a:r>
-            <a:r>
-              <a:rPr/>
-              <a:t> </a:t>
-            </a:r>
-            <a:r>
-              <a:rPr/>
-              <a:t>of</a:t>
-            </a:r>
-            <a:r>
-              <a:rPr/>
-              <a:t> </a:t>
-            </a:r>
-            <a:r>
-              <a:rPr/>
-              <a:t>Weakening</a:t>
-            </a:r>
-            <a:r>
-              <a:rPr/>
-              <a:t> </a:t>
-            </a:r>
-            <a:r>
-              <a:rPr/>
-              <a:t>Solvency</a:t>
-            </a:r>
-            <a:r>
-              <a:rPr/>
-              <a:t> </a:t>
-            </a:r>
-            <a:r>
-              <a:rPr/>
-              <a:t>(2001-2019)</a:t>
-            </a:r>
-            <a:r>
-              <a:rPr/>
-              <a:t> </a:t>
-            </a:r>
-            <a:r>
-              <a:rPr/>
-              <a:t>w/</a:t>
-            </a:r>
-            <a:r>
-              <a:rPr/>
-              <a:t> </a:t>
-            </a:r>
-            <a:r>
-              <a:rPr/>
-              <a:t>R</a:t>
-            </a:r>
-            <a:r>
-              <a:rPr/>
-              <a:t> </a:t>
-            </a:r>
-            <a:r>
-              <a:rPr/>
-              <a:t>Code</a:t>
+              <a:t>A History of Weakening Solvency (2001-2019) w/ R Code</a:t>
             </a:r>
           </a:p>
         </p:txBody>
       </p:sp>
       <p:pic>
         <p:nvPicPr>
-          <p:cNvPr descr="SamplePPT_files/figure-pptx/debt-1.png" id="0" name="Picture 1"/>
+          <p:cNvPr id="3" name="Picture 1" descr="SamplePPT_files/figure-pptx/debt-1.png"/>
           <p:cNvPicPr>
             <a:picLocks noGrp="1" noChangeAspect="1"/>
           </p:cNvPicPr>
@@ -3387,6 +3262,9 @@
       </p:pic>
     </p:spTree>
   </p:cSld>
+  <p:clrMapOvr>
+    <a:masterClrMapping/>
+  </p:clrMapOvr>
 </p:sld>
 </file>
 
@@ -3422,83 +3300,18 @@
           <a:bodyPr/>
           <a:lstStyle/>
           <a:p>
-            <a:pPr lvl="0" marL="0" indent="0">
+            <a:pPr marL="0" lvl="0" indent="0">
               <a:buNone/>
             </a:pPr>
             <a:r>
-              <a:rPr/>
-              <a:t>A</a:t>
-            </a:r>
-            <a:r>
-              <a:rPr/>
-              <a:t> </a:t>
-            </a:r>
-            <a:r>
-              <a:rPr/>
-              <a:t>History</a:t>
-            </a:r>
-            <a:r>
-              <a:rPr/>
-              <a:t> </a:t>
-            </a:r>
-            <a:r>
-              <a:rPr/>
-              <a:t>of</a:t>
-            </a:r>
-            <a:r>
-              <a:rPr/>
-              <a:t> </a:t>
-            </a:r>
-            <a:r>
-              <a:rPr/>
-              <a:t>Investment</a:t>
-            </a:r>
-            <a:r>
-              <a:rPr/>
-              <a:t> </a:t>
-            </a:r>
-            <a:r>
-              <a:rPr/>
-              <a:t>Returns</a:t>
-            </a:r>
-            <a:r>
-              <a:rPr/>
-              <a:t> </a:t>
-            </a:r>
-            <a:r>
-              <a:rPr/>
-              <a:t>(2001-2019)</a:t>
-            </a:r>
-            <a:r>
-              <a:rPr/>
-              <a:t> </a:t>
-            </a:r>
-            <a:r>
-              <a:rPr/>
-              <a:t>w/</a:t>
-            </a:r>
-            <a:r>
-              <a:rPr/>
-              <a:t> </a:t>
-            </a:r>
-            <a:r>
-              <a:rPr/>
-              <a:t>R</a:t>
-            </a:r>
-            <a:r>
-              <a:rPr/>
-              <a:t> </a:t>
-            </a:r>
-            <a:r>
-              <a:rPr/>
-              <a:t>Code</a:t>
+              <a:t>A History of Investment Returns (2001-2019) w/ R Code</a:t>
             </a:r>
           </a:p>
         </p:txBody>
       </p:sp>
       <p:pic>
         <p:nvPicPr>
-          <p:cNvPr descr="SamplePPT_files/figure-pptx/graph-1.png" id="0" name="Picture 1"/>
+          <p:cNvPr id="3" name="Picture 1" descr="SamplePPT_files/figure-pptx/graph-1.png"/>
           <p:cNvPicPr>
             <a:picLocks noGrp="1" noChangeAspect="1"/>
           </p:cNvPicPr>
@@ -3528,6 +3341,9 @@
       </p:pic>
     </p:spTree>
   </p:cSld>
+  <p:clrMapOvr>
+    <a:masterClrMapping/>
+  </p:clrMapOvr>
 </p:sld>
 </file>
 
@@ -3563,59 +3379,18 @@
           <a:bodyPr/>
           <a:lstStyle/>
           <a:p>
-            <a:pPr lvl="0" marL="0" indent="0">
+            <a:pPr marL="0" lvl="0" indent="0">
               <a:buNone/>
             </a:pPr>
             <a:r>
-              <a:rPr/>
-              <a:t>Negative</a:t>
-            </a:r>
-            <a:r>
-              <a:rPr/>
-              <a:t> </a:t>
-            </a:r>
-            <a:r>
-              <a:rPr/>
-              <a:t>Amortization</a:t>
-            </a:r>
-            <a:r>
-              <a:rPr/>
-              <a:t> </a:t>
-            </a:r>
-            <a:r>
-              <a:rPr/>
-              <a:t>Growth</a:t>
-            </a:r>
-            <a:r>
-              <a:rPr/>
-              <a:t> </a:t>
-            </a:r>
-            <a:r>
-              <a:rPr/>
-              <a:t>w/</a:t>
-            </a:r>
-            <a:r>
-              <a:rPr/>
-              <a:t> </a:t>
-            </a:r>
-            <a:r>
-              <a:rPr/>
-              <a:t>R</a:t>
-            </a:r>
-            <a:r>
-              <a:rPr/>
-              <a:t> </a:t>
-            </a:r>
-            <a:r>
-              <a:rPr/>
-              <a:t>Code</a:t>
+              <a:t>Asset Allocation w/ R Code</a:t>
             </a:r>
           </a:p>
         </p:txBody>
       </p:sp>
       <p:pic>
         <p:nvPicPr>
-          <p:cNvPr descr="SamplePPT_files/figure-pptx/neg.amo-1.png" id="0" name="Picture 1"/>
+          <p:cNvPr id="3" name="Picture 1" descr="SamplePPT_files/figure-pptx/assets-1.png"/>
           <p:cNvPicPr>
             <a:picLocks noGrp="1" noChangeAspect="1"/>
           </p:cNvPicPr>
@@ -3645,6 +3420,9 @@
       </p:pic>
     </p:spTree>
   </p:cSld>
+  <p:clrMapOvr>
+    <a:masterClrMapping/>
+  </p:clrMapOvr>
 </p:sld>
 </file>
 
@@ -3680,75 +3458,97 @@
           <a:bodyPr/>
           <a:lstStyle/>
           <a:p>
-            <a:pPr lvl="0" marL="0" indent="0">
+            <a:pPr marL="0" lvl="0" indent="0">
               <a:buNone/>
             </a:pPr>
             <a:r>
-              <a:rPr/>
-              <a:t>A</a:t>
-            </a:r>
-            <a:r>
-              <a:rPr/>
-              <a:t> </a:t>
-            </a:r>
-            <a:r>
-              <a:rPr/>
-              <a:t>Mountain</a:t>
-            </a:r>
-            <a:r>
-              <a:rPr/>
-              <a:t> </a:t>
-            </a:r>
-            <a:r>
-              <a:rPr/>
-              <a:t>fo</a:t>
-            </a:r>
-            <a:r>
-              <a:rPr/>
-              <a:t> </a:t>
-            </a:r>
-            <a:r>
-              <a:rPr/>
-              <a:t>Debt</a:t>
-            </a:r>
-            <a:r>
-              <a:rPr/>
-              <a:t> </a:t>
-            </a:r>
-            <a:r>
-              <a:rPr/>
-              <a:t>Plot</a:t>
-            </a:r>
-            <a:r>
-              <a:rPr/>
-              <a:t> </a:t>
-            </a:r>
-            <a:r>
-              <a:rPr/>
-              <a:t>w/</a:t>
-            </a:r>
-            <a:r>
-              <a:rPr/>
-              <a:t> </a:t>
-            </a:r>
-            <a:r>
-              <a:rPr/>
-              <a:t>Saved</a:t>
-            </a:r>
-            <a:r>
-              <a:rPr/>
-              <a:t> </a:t>
-            </a:r>
-            <a:r>
-              <a:rPr/>
-              <a:t>Img</a:t>
+              <a:t>Negative Amortization Growth w/ R Code</a:t>
             </a:r>
           </a:p>
         </p:txBody>
       </p:sp>
       <p:pic>
         <p:nvPicPr>
-          <p:cNvPr descr="PERSI.debptPlot2.jpeg" id="0" name="Picture 1"/>
+          <p:cNvPr id="3" name="Picture 1" descr="SamplePPT_files/figure-pptx/neg.amo-1.png"/>
+          <p:cNvPicPr>
+            <a:picLocks noGrp="1" noChangeAspect="1"/>
+          </p:cNvPicPr>
+          <p:nvPr/>
+        </p:nvPicPr>
+        <p:blipFill>
+          <a:blip r:embed="rId2"/>
+          <a:stretch>
+            <a:fillRect/>
+          </a:stretch>
+        </p:blipFill>
+        <p:spPr bwMode="auto">
+          <a:xfrm>
+            <a:off x="952500" y="1600200"/>
+            <a:ext cx="7239000" cy="4521200"/>
+          </a:xfrm>
+          <a:prstGeom prst="rect">
+            <a:avLst/>
+          </a:prstGeom>
+          <a:noFill/>
+          <a:ln w="9525">
+            <a:noFill/>
+            <a:headEnd/>
+            <a:tailEnd/>
+          </a:ln>
+        </p:spPr>
+      </p:pic>
+    </p:spTree>
+  </p:cSld>
+  <p:clrMapOvr>
+    <a:masterClrMapping/>
+  </p:clrMapOvr>
+</p:sld>
+</file>
+
+<file path=ppt/slides/slide6.xml><?xml version="1.0" encoding="utf-8"?>
+<p:sld xmlns:a="http://schemas.openxmlformats.org/drawingml/2006/main" xmlns:r="http://schemas.openxmlformats.org/officeDocument/2006/relationships" xmlns:p="http://schemas.openxmlformats.org/presentationml/2006/main">
+  <p:cSld>
+    <p:spTree>
+      <p:nvGrpSpPr>
+        <p:cNvPr id="1" name=""/>
+        <p:cNvGrpSpPr/>
+        <p:nvPr/>
+      </p:nvGrpSpPr>
+      <p:grpSpPr>
+        <a:xfrm>
+          <a:off x="0" y="0"/>
+          <a:ext cx="0" cy="0"/>
+          <a:chOff x="0" y="0"/>
+          <a:chExt cx="0" cy="0"/>
+        </a:xfrm>
+      </p:grpSpPr>
+      <p:sp>
+        <p:nvSpPr>
+          <p:cNvPr id="2" name="Title 1"/>
+          <p:cNvSpPr>
+            <a:spLocks noGrp="1"/>
+          </p:cNvSpPr>
+          <p:nvPr>
+            <p:ph type="title"/>
+          </p:nvPr>
+        </p:nvSpPr>
+        <p:spPr/>
+        <p:txBody>
+          <a:bodyPr/>
+          <a:lstStyle/>
+          <a:p>
+            <a:pPr marL="0" lvl="0" indent="0">
+              <a:buNone/>
+            </a:pPr>
+            <a:r>
+              <a:t>A Mountain fo Debt Plot w/ Saved Img</a:t>
+            </a:r>
+          </a:p>
+        </p:txBody>
+      </p:sp>
+      <p:pic>
+        <p:nvPicPr>
+          <p:cNvPr id="3" name="Picture 1" descr="PERSI.debptPlot2.jpeg"/>
           <p:cNvPicPr>
             <a:picLocks noGrp="1" noChangeAspect="1"/>
           </p:cNvPicPr>
@@ -3778,10 +3578,13 @@
       </p:pic>
     </p:spTree>
   </p:cSld>
+  <p:clrMapOvr>
+    <a:masterClrMapping/>
+  </p:clrMapOvr>
 </p:sld>
 </file>
 
-<file path=ppt/slides/slide6.xml><?xml version="1.0" encoding="utf-8"?>
+<file path=ppt/slides/slide7.xml><?xml version="1.0" encoding="utf-8"?>
 <p:sld xmlns:a="http://schemas.openxmlformats.org/drawingml/2006/main" xmlns:r="http://schemas.openxmlformats.org/officeDocument/2006/relationships" xmlns:p="http://schemas.openxmlformats.org/presentationml/2006/main">
   <p:cSld>
     <p:spTree>
@@ -3813,83 +3616,18 @@
           <a:bodyPr/>
           <a:lstStyle/>
           <a:p>
-            <a:pPr lvl="0" marL="0" indent="0">
+            <a:pPr marL="0" lvl="0" indent="0">
               <a:buNone/>
             </a:pPr>
             <a:r>
-              <a:rPr/>
-              <a:t>A</a:t>
-            </a:r>
-            <a:r>
-              <a:rPr/>
-              <a:t> </a:t>
-            </a:r>
-            <a:r>
-              <a:rPr/>
-              <a:t>History</a:t>
-            </a:r>
-            <a:r>
-              <a:rPr/>
-              <a:t> </a:t>
-            </a:r>
-            <a:r>
-              <a:rPr/>
-              <a:t>of</a:t>
-            </a:r>
-            <a:r>
-              <a:rPr/>
-              <a:t> </a:t>
-            </a:r>
-            <a:r>
-              <a:rPr/>
-              <a:t>Weakening</a:t>
-            </a:r>
-            <a:r>
-              <a:rPr/>
-              <a:t> </a:t>
-            </a:r>
-            <a:r>
-              <a:rPr/>
-              <a:t>Solvency</a:t>
-            </a:r>
-            <a:r>
-              <a:rPr/>
-              <a:t> </a:t>
-            </a:r>
-            <a:r>
-              <a:rPr/>
-              <a:t>(2001-2019)</a:t>
-            </a:r>
-            <a:r>
-              <a:rPr/>
-              <a:t> </a:t>
-            </a:r>
-            <a:r>
-              <a:rPr/>
-              <a:t>w/</a:t>
-            </a:r>
-            <a:r>
-              <a:rPr/>
-              <a:t> </a:t>
-            </a:r>
-            <a:r>
-              <a:rPr/>
-              <a:t>Saved</a:t>
-            </a:r>
-            <a:r>
-              <a:rPr/>
-              <a:t> </a:t>
-            </a:r>
-            <a:r>
-              <a:rPr/>
-              <a:t>Img</a:t>
+              <a:t>A History of Weakening Solvency (2001-2019) w/ Saved Img</a:t>
             </a:r>
           </a:p>
         </p:txBody>
       </p:sp>
       <p:pic>
         <p:nvPicPr>
-          <p:cNvPr descr="graphs/Inv.Returns.PERSI.jpeg" id="0" name="Picture 1"/>
+          <p:cNvPr id="3" name="Picture 1" descr="graphs/Inv.Returns.PERSI.jpeg"/>
           <p:cNvPicPr>
             <a:picLocks noGrp="1" noChangeAspect="1"/>
           </p:cNvPicPr>
@@ -3919,10 +3657,13 @@
       </p:pic>
     </p:spTree>
   </p:cSld>
+  <p:clrMapOvr>
+    <a:masterClrMapping/>
+  </p:clrMapOvr>
 </p:sld>
 </file>
 
-<file path=ppt/slides/slide7.xml><?xml version="1.0" encoding="utf-8"?>
+<file path=ppt/slides/slide8.xml><?xml version="1.0" encoding="utf-8"?>
 <p:sld xmlns:a="http://schemas.openxmlformats.org/drawingml/2006/main" xmlns:r="http://schemas.openxmlformats.org/officeDocument/2006/relationships" xmlns:p="http://schemas.openxmlformats.org/presentationml/2006/main">
   <p:cSld>
     <p:spTree>
@@ -3954,11 +3695,10 @@
           <a:bodyPr/>
           <a:lstStyle/>
           <a:p>
-            <a:pPr lvl="0" marL="0" indent="0">
+            <a:pPr marL="0" lvl="0" indent="0">
               <a:buNone/>
             </a:pPr>
             <a:r>
-              <a:rPr/>
               <a:t>References</a:t>
             </a:r>
           </a:p>
@@ -4009,6 +3749,9 @@
       </p:sp>
     </p:spTree>
   </p:cSld>
+  <p:clrMapOvr>
+    <a:masterClrMapping/>
+  </p:clrMapOvr>
 </p:sld>
 </file>
 

--- a/SamplePPT.pptx
+++ b/SamplePPT.pptx
@@ -168,9 +168,10 @@
           <a:lstStyle/>
           <a:p>
             <a:r>
-              <a:rPr lang="en-US"/>
+              <a:rPr lang="en-US" smtClean="0"/>
               <a:t>Click to edit Master title style</a:t>
             </a:r>
+            <a:endParaRPr lang="en-US"/>
           </a:p>
         </p:txBody>
       </p:sp>
@@ -286,9 +287,10 @@
           </a:lstStyle>
           <a:p>
             <a:r>
-              <a:rPr lang="en-US"/>
+              <a:rPr lang="en-US" smtClean="0"/>
               <a:t>Click to edit Master subtitle style</a:t>
             </a:r>
+            <a:endParaRPr lang="en-US"/>
           </a:p>
         </p:txBody>
       </p:sp>
@@ -309,7 +311,7 @@
           <a:p>
             <a:fld id="{241EB5C9-1307-BA42-ABA2-0BC069CD8E7F}" type="datetimeFigureOut">
               <a:rPr lang="en-US" smtClean="0"/>
-              <a:t>11/18/20</a:t>
+              <a:t>4/5/2019</a:t>
             </a:fld>
             <a:endParaRPr lang="en-US"/>
           </a:p>
@@ -403,9 +405,10 @@
           <a:lstStyle/>
           <a:p>
             <a:r>
-              <a:rPr lang="en-US"/>
+              <a:rPr lang="en-US" smtClean="0"/>
               <a:t>Click to edit Master title style</a:t>
             </a:r>
+            <a:endParaRPr lang="en-US"/>
           </a:p>
         </p:txBody>
       </p:sp>
@@ -426,37 +429,38 @@
           <a:p>
             <a:pPr lvl="0"/>
             <a:r>
-              <a:rPr lang="en-US"/>
+              <a:rPr lang="en-US" smtClean="0"/>
               <a:t>Click to edit Master text styles</a:t>
             </a:r>
           </a:p>
           <a:p>
             <a:pPr lvl="1"/>
             <a:r>
-              <a:rPr lang="en-US"/>
+              <a:rPr lang="en-US" smtClean="0"/>
               <a:t>Second level</a:t>
             </a:r>
           </a:p>
           <a:p>
             <a:pPr lvl="2"/>
             <a:r>
-              <a:rPr lang="en-US"/>
+              <a:rPr lang="en-US" smtClean="0"/>
               <a:t>Third level</a:t>
             </a:r>
           </a:p>
           <a:p>
             <a:pPr lvl="3"/>
             <a:r>
-              <a:rPr lang="en-US"/>
+              <a:rPr lang="en-US" smtClean="0"/>
               <a:t>Fourth level</a:t>
             </a:r>
           </a:p>
           <a:p>
             <a:pPr lvl="4"/>
             <a:r>
-              <a:rPr lang="en-US"/>
+              <a:rPr lang="en-US" smtClean="0"/>
               <a:t>Fifth level</a:t>
             </a:r>
+            <a:endParaRPr lang="en-US"/>
           </a:p>
         </p:txBody>
       </p:sp>
@@ -477,7 +481,7 @@
           <a:p>
             <a:fld id="{241EB5C9-1307-BA42-ABA2-0BC069CD8E7F}" type="datetimeFigureOut">
               <a:rPr lang="en-US" smtClean="0"/>
-              <a:t>11/18/20</a:t>
+              <a:t>4/5/2019</a:t>
             </a:fld>
             <a:endParaRPr lang="en-US"/>
           </a:p>
@@ -576,9 +580,10 @@
           <a:lstStyle/>
           <a:p>
             <a:r>
-              <a:rPr lang="en-US"/>
+              <a:rPr lang="en-US" smtClean="0"/>
               <a:t>Click to edit Master title style</a:t>
             </a:r>
+            <a:endParaRPr lang="en-US"/>
           </a:p>
         </p:txBody>
       </p:sp>
@@ -604,37 +609,38 @@
           <a:p>
             <a:pPr lvl="0"/>
             <a:r>
-              <a:rPr lang="en-US"/>
+              <a:rPr lang="en-US" smtClean="0"/>
               <a:t>Click to edit Master text styles</a:t>
             </a:r>
           </a:p>
           <a:p>
             <a:pPr lvl="1"/>
             <a:r>
-              <a:rPr lang="en-US"/>
+              <a:rPr lang="en-US" smtClean="0"/>
               <a:t>Second level</a:t>
             </a:r>
           </a:p>
           <a:p>
             <a:pPr lvl="2"/>
             <a:r>
-              <a:rPr lang="en-US"/>
+              <a:rPr lang="en-US" smtClean="0"/>
               <a:t>Third level</a:t>
             </a:r>
           </a:p>
           <a:p>
             <a:pPr lvl="3"/>
             <a:r>
-              <a:rPr lang="en-US"/>
+              <a:rPr lang="en-US" smtClean="0"/>
               <a:t>Fourth level</a:t>
             </a:r>
           </a:p>
           <a:p>
             <a:pPr lvl="4"/>
             <a:r>
-              <a:rPr lang="en-US"/>
+              <a:rPr lang="en-US" smtClean="0"/>
               <a:t>Fifth level</a:t>
             </a:r>
+            <a:endParaRPr lang="en-US"/>
           </a:p>
         </p:txBody>
       </p:sp>
@@ -655,7 +661,7 @@
           <a:p>
             <a:fld id="{241EB5C9-1307-BA42-ABA2-0BC069CD8E7F}" type="datetimeFigureOut">
               <a:rPr lang="en-US" smtClean="0"/>
-              <a:t>11/18/20</a:t>
+              <a:t>4/5/2019</a:t>
             </a:fld>
             <a:endParaRPr lang="en-US"/>
           </a:p>
@@ -749,9 +755,10 @@
           <a:lstStyle/>
           <a:p>
             <a:r>
-              <a:rPr lang="en-US"/>
+              <a:rPr lang="en-US" smtClean="0"/>
               <a:t>Click to edit Master title style</a:t>
             </a:r>
+            <a:endParaRPr lang="en-US"/>
           </a:p>
         </p:txBody>
       </p:sp>
@@ -772,37 +779,38 @@
           <a:p>
             <a:pPr lvl="0"/>
             <a:r>
-              <a:rPr lang="en-US"/>
+              <a:rPr lang="en-US" smtClean="0"/>
               <a:t>Click to edit Master text styles</a:t>
             </a:r>
           </a:p>
           <a:p>
             <a:pPr lvl="1"/>
             <a:r>
-              <a:rPr lang="en-US"/>
+              <a:rPr lang="en-US" smtClean="0"/>
               <a:t>Second level</a:t>
             </a:r>
           </a:p>
           <a:p>
             <a:pPr lvl="2"/>
             <a:r>
-              <a:rPr lang="en-US"/>
+              <a:rPr lang="en-US" smtClean="0"/>
               <a:t>Third level</a:t>
             </a:r>
           </a:p>
           <a:p>
             <a:pPr lvl="3"/>
             <a:r>
-              <a:rPr lang="en-US"/>
+              <a:rPr lang="en-US" smtClean="0"/>
               <a:t>Fourth level</a:t>
             </a:r>
           </a:p>
           <a:p>
             <a:pPr lvl="4"/>
             <a:r>
-              <a:rPr lang="en-US"/>
+              <a:rPr lang="en-US" smtClean="0"/>
               <a:t>Fifth level</a:t>
             </a:r>
+            <a:endParaRPr lang="en-US"/>
           </a:p>
         </p:txBody>
       </p:sp>
@@ -823,7 +831,7 @@
           <a:p>
             <a:fld id="{241EB5C9-1307-BA42-ABA2-0BC069CD8E7F}" type="datetimeFigureOut">
               <a:rPr lang="en-US" smtClean="0"/>
-              <a:t>11/18/20</a:t>
+              <a:t>4/5/2019</a:t>
             </a:fld>
             <a:endParaRPr lang="en-US"/>
           </a:p>
@@ -926,9 +934,10 @@
           </a:lstStyle>
           <a:p>
             <a:r>
-              <a:rPr lang="en-US"/>
+              <a:rPr lang="en-US" smtClean="0"/>
               <a:t>Click to edit Master title style</a:t>
             </a:r>
+            <a:endParaRPr lang="en-US"/>
           </a:p>
         </p:txBody>
       </p:sp>
@@ -1045,7 +1054,7 @@
           <a:p>
             <a:pPr lvl="0"/>
             <a:r>
-              <a:rPr lang="en-US"/>
+              <a:rPr lang="en-US" smtClean="0"/>
               <a:t>Click to edit Master text styles</a:t>
             </a:r>
           </a:p>
@@ -1068,7 +1077,7 @@
           <a:p>
             <a:fld id="{241EB5C9-1307-BA42-ABA2-0BC069CD8E7F}" type="datetimeFigureOut">
               <a:rPr lang="en-US" smtClean="0"/>
-              <a:t>11/18/20</a:t>
+              <a:t>4/5/2019</a:t>
             </a:fld>
             <a:endParaRPr lang="en-US"/>
           </a:p>
@@ -1162,9 +1171,10 @@
           <a:lstStyle/>
           <a:p>
             <a:r>
-              <a:rPr lang="en-US"/>
+              <a:rPr lang="en-US" smtClean="0"/>
               <a:t>Click to edit Master title style</a:t>
             </a:r>
+            <a:endParaRPr lang="en-US"/>
           </a:p>
         </p:txBody>
       </p:sp>
@@ -1218,37 +1228,38 @@
           <a:p>
             <a:pPr lvl="0"/>
             <a:r>
-              <a:rPr lang="en-US"/>
+              <a:rPr lang="en-US" smtClean="0"/>
               <a:t>Click to edit Master text styles</a:t>
             </a:r>
           </a:p>
           <a:p>
             <a:pPr lvl="1"/>
             <a:r>
-              <a:rPr lang="en-US"/>
+              <a:rPr lang="en-US" smtClean="0"/>
               <a:t>Second level</a:t>
             </a:r>
           </a:p>
           <a:p>
             <a:pPr lvl="2"/>
             <a:r>
-              <a:rPr lang="en-US"/>
+              <a:rPr lang="en-US" smtClean="0"/>
               <a:t>Third level</a:t>
             </a:r>
           </a:p>
           <a:p>
             <a:pPr lvl="3"/>
             <a:r>
-              <a:rPr lang="en-US"/>
+              <a:rPr lang="en-US" smtClean="0"/>
               <a:t>Fourth level</a:t>
             </a:r>
           </a:p>
           <a:p>
             <a:pPr lvl="4"/>
             <a:r>
-              <a:rPr lang="en-US"/>
+              <a:rPr lang="en-US" smtClean="0"/>
               <a:t>Fifth level</a:t>
             </a:r>
+            <a:endParaRPr lang="en-US"/>
           </a:p>
         </p:txBody>
       </p:sp>
@@ -1302,37 +1313,38 @@
           <a:p>
             <a:pPr lvl="0"/>
             <a:r>
-              <a:rPr lang="en-US"/>
+              <a:rPr lang="en-US" smtClean="0"/>
               <a:t>Click to edit Master text styles</a:t>
             </a:r>
           </a:p>
           <a:p>
             <a:pPr lvl="1"/>
             <a:r>
-              <a:rPr lang="en-US"/>
+              <a:rPr lang="en-US" smtClean="0"/>
               <a:t>Second level</a:t>
             </a:r>
           </a:p>
           <a:p>
             <a:pPr lvl="2"/>
             <a:r>
-              <a:rPr lang="en-US"/>
+              <a:rPr lang="en-US" smtClean="0"/>
               <a:t>Third level</a:t>
             </a:r>
           </a:p>
           <a:p>
             <a:pPr lvl="3"/>
             <a:r>
-              <a:rPr lang="en-US"/>
+              <a:rPr lang="en-US" smtClean="0"/>
               <a:t>Fourth level</a:t>
             </a:r>
           </a:p>
           <a:p>
             <a:pPr lvl="4"/>
             <a:r>
-              <a:rPr lang="en-US"/>
+              <a:rPr lang="en-US" smtClean="0"/>
               <a:t>Fifth level</a:t>
             </a:r>
+            <a:endParaRPr lang="en-US"/>
           </a:p>
         </p:txBody>
       </p:sp>
@@ -1353,7 +1365,7 @@
           <a:p>
             <a:fld id="{241EB5C9-1307-BA42-ABA2-0BC069CD8E7F}" type="datetimeFigureOut">
               <a:rPr lang="en-US" smtClean="0"/>
-              <a:t>11/18/20</a:t>
+              <a:t>4/5/2019</a:t>
             </a:fld>
             <a:endParaRPr lang="en-US"/>
           </a:p>
@@ -1451,9 +1463,10 @@
           </a:lstStyle>
           <a:p>
             <a:r>
-              <a:rPr lang="en-US"/>
+              <a:rPr lang="en-US" smtClean="0"/>
               <a:t>Click to edit Master title style</a:t>
             </a:r>
+            <a:endParaRPr lang="en-US"/>
           </a:p>
         </p:txBody>
       </p:sp>
@@ -1516,7 +1529,7 @@
           <a:p>
             <a:pPr lvl="0"/>
             <a:r>
-              <a:rPr lang="en-US"/>
+              <a:rPr lang="en-US" smtClean="0"/>
               <a:t>Click to edit Master text styles</a:t>
             </a:r>
           </a:p>
@@ -1572,37 +1585,38 @@
           <a:p>
             <a:pPr lvl="0"/>
             <a:r>
-              <a:rPr lang="en-US"/>
+              <a:rPr lang="en-US" smtClean="0"/>
               <a:t>Click to edit Master text styles</a:t>
             </a:r>
           </a:p>
           <a:p>
             <a:pPr lvl="1"/>
             <a:r>
-              <a:rPr lang="en-US"/>
+              <a:rPr lang="en-US" smtClean="0"/>
               <a:t>Second level</a:t>
             </a:r>
           </a:p>
           <a:p>
             <a:pPr lvl="2"/>
             <a:r>
-              <a:rPr lang="en-US"/>
+              <a:rPr lang="en-US" smtClean="0"/>
               <a:t>Third level</a:t>
             </a:r>
           </a:p>
           <a:p>
             <a:pPr lvl="3"/>
             <a:r>
-              <a:rPr lang="en-US"/>
+              <a:rPr lang="en-US" smtClean="0"/>
               <a:t>Fourth level</a:t>
             </a:r>
           </a:p>
           <a:p>
             <a:pPr lvl="4"/>
             <a:r>
-              <a:rPr lang="en-US"/>
+              <a:rPr lang="en-US" smtClean="0"/>
               <a:t>Fifth level</a:t>
             </a:r>
+            <a:endParaRPr lang="en-US"/>
           </a:p>
         </p:txBody>
       </p:sp>
@@ -1665,7 +1679,7 @@
           <a:p>
             <a:pPr lvl="0"/>
             <a:r>
-              <a:rPr lang="en-US"/>
+              <a:rPr lang="en-US" smtClean="0"/>
               <a:t>Click to edit Master text styles</a:t>
             </a:r>
           </a:p>
@@ -1721,37 +1735,38 @@
           <a:p>
             <a:pPr lvl="0"/>
             <a:r>
-              <a:rPr lang="en-US"/>
+              <a:rPr lang="en-US" smtClean="0"/>
               <a:t>Click to edit Master text styles</a:t>
             </a:r>
           </a:p>
           <a:p>
             <a:pPr lvl="1"/>
             <a:r>
-              <a:rPr lang="en-US"/>
+              <a:rPr lang="en-US" smtClean="0"/>
               <a:t>Second level</a:t>
             </a:r>
           </a:p>
           <a:p>
             <a:pPr lvl="2"/>
             <a:r>
-              <a:rPr lang="en-US"/>
+              <a:rPr lang="en-US" smtClean="0"/>
               <a:t>Third level</a:t>
             </a:r>
           </a:p>
           <a:p>
             <a:pPr lvl="3"/>
             <a:r>
-              <a:rPr lang="en-US"/>
+              <a:rPr lang="en-US" smtClean="0"/>
               <a:t>Fourth level</a:t>
             </a:r>
           </a:p>
           <a:p>
             <a:pPr lvl="4"/>
             <a:r>
-              <a:rPr lang="en-US"/>
+              <a:rPr lang="en-US" smtClean="0"/>
               <a:t>Fifth level</a:t>
             </a:r>
+            <a:endParaRPr lang="en-US"/>
           </a:p>
         </p:txBody>
       </p:sp>
@@ -1772,7 +1787,7 @@
           <a:p>
             <a:fld id="{241EB5C9-1307-BA42-ABA2-0BC069CD8E7F}" type="datetimeFigureOut">
               <a:rPr lang="en-US" smtClean="0"/>
-              <a:t>11/18/20</a:t>
+              <a:t>4/5/2019</a:t>
             </a:fld>
             <a:endParaRPr lang="en-US"/>
           </a:p>
@@ -1866,9 +1881,10 @@
           <a:lstStyle/>
           <a:p>
             <a:r>
-              <a:rPr lang="en-US"/>
+              <a:rPr lang="en-US" smtClean="0"/>
               <a:t>Click to edit Master title style</a:t>
             </a:r>
+            <a:endParaRPr lang="en-US"/>
           </a:p>
         </p:txBody>
       </p:sp>
@@ -1889,7 +1905,7 @@
           <a:p>
             <a:fld id="{241EB5C9-1307-BA42-ABA2-0BC069CD8E7F}" type="datetimeFigureOut">
               <a:rPr lang="en-US" smtClean="0"/>
-              <a:t>11/18/20</a:t>
+              <a:t>4/5/2019</a:t>
             </a:fld>
             <a:endParaRPr lang="en-US"/>
           </a:p>
@@ -1984,7 +2000,7 @@
           <a:p>
             <a:fld id="{241EB5C9-1307-BA42-ABA2-0BC069CD8E7F}" type="datetimeFigureOut">
               <a:rPr lang="en-US" smtClean="0"/>
-              <a:t>11/18/20</a:t>
+              <a:t>4/5/2019</a:t>
             </a:fld>
             <a:endParaRPr lang="en-US"/>
           </a:p>
@@ -2087,9 +2103,10 @@
           </a:lstStyle>
           <a:p>
             <a:r>
-              <a:rPr lang="en-US"/>
+              <a:rPr lang="en-US" smtClean="0"/>
               <a:t>Click to edit Master title style</a:t>
             </a:r>
+            <a:endParaRPr lang="en-US"/>
           </a:p>
         </p:txBody>
       </p:sp>
@@ -2143,37 +2160,38 @@
           <a:p>
             <a:pPr lvl="0"/>
             <a:r>
-              <a:rPr lang="en-US"/>
+              <a:rPr lang="en-US" smtClean="0"/>
               <a:t>Click to edit Master text styles</a:t>
             </a:r>
           </a:p>
           <a:p>
             <a:pPr lvl="1"/>
             <a:r>
-              <a:rPr lang="en-US"/>
+              <a:rPr lang="en-US" smtClean="0"/>
               <a:t>Second level</a:t>
             </a:r>
           </a:p>
           <a:p>
             <a:pPr lvl="2"/>
             <a:r>
-              <a:rPr lang="en-US"/>
+              <a:rPr lang="en-US" smtClean="0"/>
               <a:t>Third level</a:t>
             </a:r>
           </a:p>
           <a:p>
             <a:pPr lvl="3"/>
             <a:r>
-              <a:rPr lang="en-US"/>
+              <a:rPr lang="en-US" smtClean="0"/>
               <a:t>Fourth level</a:t>
             </a:r>
           </a:p>
           <a:p>
             <a:pPr lvl="4"/>
             <a:r>
-              <a:rPr lang="en-US"/>
+              <a:rPr lang="en-US" smtClean="0"/>
               <a:t>Fifth level</a:t>
             </a:r>
+            <a:endParaRPr lang="en-US"/>
           </a:p>
         </p:txBody>
       </p:sp>
@@ -2236,7 +2254,7 @@
           <a:p>
             <a:pPr lvl="0"/>
             <a:r>
-              <a:rPr lang="en-US"/>
+              <a:rPr lang="en-US" smtClean="0"/>
               <a:t>Click to edit Master text styles</a:t>
             </a:r>
           </a:p>
@@ -2259,7 +2277,7 @@
           <a:p>
             <a:fld id="{241EB5C9-1307-BA42-ABA2-0BC069CD8E7F}" type="datetimeFigureOut">
               <a:rPr lang="en-US" smtClean="0"/>
-              <a:t>11/18/20</a:t>
+              <a:t>4/5/2019</a:t>
             </a:fld>
             <a:endParaRPr lang="en-US"/>
           </a:p>
@@ -2362,9 +2380,10 @@
           </a:lstStyle>
           <a:p>
             <a:r>
-              <a:rPr lang="en-US"/>
+              <a:rPr lang="en-US" smtClean="0"/>
               <a:t>Click to edit Master title style</a:t>
             </a:r>
+            <a:endParaRPr lang="en-US"/>
           </a:p>
         </p:txBody>
       </p:sp>
@@ -2488,7 +2507,7 @@
           <a:p>
             <a:pPr lvl="0"/>
             <a:r>
-              <a:rPr lang="en-US"/>
+              <a:rPr lang="en-US" smtClean="0"/>
               <a:t>Click to edit Master text styles</a:t>
             </a:r>
           </a:p>
@@ -2511,7 +2530,7 @@
           <a:p>
             <a:fld id="{241EB5C9-1307-BA42-ABA2-0BC069CD8E7F}" type="datetimeFigureOut">
               <a:rPr lang="en-US" smtClean="0"/>
-              <a:t>11/18/20</a:t>
+              <a:t>4/5/2019</a:t>
             </a:fld>
             <a:endParaRPr lang="en-US"/>
           </a:p>
@@ -2620,9 +2639,10 @@
           <a:lstStyle/>
           <a:p>
             <a:r>
-              <a:rPr lang="en-US"/>
+              <a:rPr lang="en-US" smtClean="0"/>
               <a:t>Click to edit Master title style</a:t>
             </a:r>
+            <a:endParaRPr lang="en-US"/>
           </a:p>
         </p:txBody>
       </p:sp>
@@ -2653,37 +2673,38 @@
           <a:p>
             <a:pPr lvl="0"/>
             <a:r>
-              <a:rPr lang="en-US"/>
+              <a:rPr lang="en-US" smtClean="0"/>
               <a:t>Click to edit Master text styles</a:t>
             </a:r>
           </a:p>
           <a:p>
             <a:pPr lvl="1"/>
             <a:r>
-              <a:rPr lang="en-US"/>
+              <a:rPr lang="en-US" smtClean="0"/>
               <a:t>Second level</a:t>
             </a:r>
           </a:p>
           <a:p>
             <a:pPr lvl="2"/>
             <a:r>
-              <a:rPr lang="en-US"/>
+              <a:rPr lang="en-US" smtClean="0"/>
               <a:t>Third level</a:t>
             </a:r>
           </a:p>
           <a:p>
             <a:pPr lvl="3"/>
             <a:r>
-              <a:rPr lang="en-US"/>
+              <a:rPr lang="en-US" smtClean="0"/>
               <a:t>Fourth level</a:t>
             </a:r>
           </a:p>
           <a:p>
             <a:pPr lvl="4"/>
             <a:r>
-              <a:rPr lang="en-US"/>
+              <a:rPr lang="en-US" smtClean="0"/>
               <a:t>Fifth level</a:t>
             </a:r>
+            <a:endParaRPr lang="en-US"/>
           </a:p>
         </p:txBody>
       </p:sp>
@@ -2722,7 +2743,7 @@
           <a:p>
             <a:fld id="{241EB5C9-1307-BA42-ABA2-0BC069CD8E7F}" type="datetimeFigureOut">
               <a:rPr lang="en-US" smtClean="0"/>
-              <a:t>11/18/20</a:t>
+              <a:t>4/5/2019</a:t>
             </a:fld>
             <a:endParaRPr lang="en-US"/>
           </a:p>
@@ -3117,11 +3138,28 @@
           <a:bodyPr/>
           <a:lstStyle/>
           <a:p>
-            <a:pPr marL="0" lvl="0" indent="0">
+            <a:pPr lvl="0" marL="0" indent="0">
               <a:buNone/>
             </a:pPr>
             <a:r>
-              <a:t>SamplePPT (PERSI graphs)</a:t>
+              <a:rPr/>
+              <a:t>SamplePPT</a:t>
+            </a:r>
+            <a:r>
+              <a:rPr/>
+              <a:t> </a:t>
+            </a:r>
+            <a:r>
+              <a:rPr/>
+              <a:t>(PERSI</a:t>
+            </a:r>
+            <a:r>
+              <a:rPr/>
+              <a:t> </a:t>
+            </a:r>
+            <a:r>
+              <a:rPr/>
+              <a:t>graphs)</a:t>
             </a:r>
           </a:p>
         </p:txBody>
@@ -3146,13 +3184,38 @@
           <a:bodyPr/>
           <a:lstStyle/>
           <a:p>
-            <a:pPr marL="0" lvl="0" indent="0">
+            <a:pPr lvl="0" marL="0" indent="0">
               <a:buNone/>
             </a:pPr>
             <a:br/>
             <a:br/>
             <a:r>
-              <a:t>Anil, Swaroop &amp; Jen</a:t>
+              <a:rPr/>
+              <a:t>Anil,</a:t>
+            </a:r>
+            <a:r>
+              <a:rPr/>
+              <a:t> </a:t>
+            </a:r>
+            <a:r>
+              <a:rPr/>
+              <a:t>Swaroop</a:t>
+            </a:r>
+            <a:r>
+              <a:rPr/>
+              <a:t> </a:t>
+            </a:r>
+            <a:r>
+              <a:rPr/>
+              <a:t>&amp;</a:t>
+            </a:r>
+            <a:r>
+              <a:rPr/>
+              <a:t> </a:t>
+            </a:r>
+            <a:r>
+              <a:rPr/>
+              <a:t>Jen</a:t>
             </a:r>
           </a:p>
         </p:txBody>
@@ -3172,10 +3235,11 @@
           <a:bodyPr/>
           <a:lstStyle/>
           <a:p>
-            <a:pPr marL="0" lvl="0" indent="0">
+            <a:pPr lvl="0" marL="0" indent="0">
               <a:buNone/>
             </a:pPr>
             <a:r>
+              <a:rPr/>
               <a:t>11/12/2020</a:t>
             </a:r>
           </a:p>
@@ -3183,9 +3247,6 @@
       </p:sp>
     </p:spTree>
   </p:cSld>
-  <p:clrMapOvr>
-    <a:masterClrMapping/>
-  </p:clrMapOvr>
 </p:sld>
 </file>
 
@@ -3221,18 +3282,83 @@
           <a:bodyPr/>
           <a:lstStyle/>
           <a:p>
-            <a:pPr marL="0" lvl="0" indent="0">
+            <a:pPr lvl="0" marL="0" indent="0">
               <a:buNone/>
             </a:pPr>
             <a:r>
-              <a:t>A History of Weakening Solvency (2001-2019) w/ R Code</a:t>
+              <a:rPr/>
+              <a:t>A</a:t>
+            </a:r>
+            <a:r>
+              <a:rPr/>
+              <a:t> </a:t>
+            </a:r>
+            <a:r>
+              <a:rPr/>
+              <a:t>History</a:t>
+            </a:r>
+            <a:r>
+              <a:rPr/>
+              <a:t> </a:t>
+            </a:r>
+            <a:r>
+              <a:rPr/>
+              <a:t>of</a:t>
+            </a:r>
+            <a:r>
+              <a:rPr/>
+              <a:t> </a:t>
+            </a:r>
+            <a:r>
+              <a:rPr/>
+              <a:t>Weakening</a:t>
+            </a:r>
+            <a:r>
+              <a:rPr/>
+              <a:t> </a:t>
+            </a:r>
+            <a:r>
+              <a:rPr/>
+              <a:t>Solvency</a:t>
+            </a:r>
+            <a:r>
+              <a:rPr/>
+              <a:t> </a:t>
+            </a:r>
+            <a:r>
+              <a:rPr/>
+              <a:t>(2001-2019)</a:t>
+            </a:r>
+            <a:r>
+              <a:rPr/>
+              <a:t> </a:t>
+            </a:r>
+            <a:r>
+              <a:rPr/>
+              <a:t>w/</a:t>
+            </a:r>
+            <a:r>
+              <a:rPr/>
+              <a:t> </a:t>
+            </a:r>
+            <a:r>
+              <a:rPr/>
+              <a:t>R</a:t>
+            </a:r>
+            <a:r>
+              <a:rPr/>
+              <a:t> </a:t>
+            </a:r>
+            <a:r>
+              <a:rPr/>
+              <a:t>Code</a:t>
             </a:r>
           </a:p>
         </p:txBody>
       </p:sp>
       <p:pic>
         <p:nvPicPr>
-          <p:cNvPr id="3" name="Picture 1" descr="SamplePPT_files/figure-pptx/debt-1.png"/>
+          <p:cNvPr descr="SamplePPT_files/figure-pptx/debt-1.png" id="0" name="Picture 1"/>
           <p:cNvPicPr>
             <a:picLocks noGrp="1" noChangeAspect="1"/>
           </p:cNvPicPr>
@@ -3262,9 +3388,6 @@
       </p:pic>
     </p:spTree>
   </p:cSld>
-  <p:clrMapOvr>
-    <a:masterClrMapping/>
-  </p:clrMapOvr>
 </p:sld>
 </file>
 
@@ -3300,18 +3423,83 @@
           <a:bodyPr/>
           <a:lstStyle/>
           <a:p>
-            <a:pPr marL="0" lvl="0" indent="0">
+            <a:pPr lvl="0" marL="0" indent="0">
               <a:buNone/>
             </a:pPr>
             <a:r>
-              <a:t>A History of Investment Returns (2001-2019) w/ R Code</a:t>
+              <a:rPr/>
+              <a:t>A</a:t>
+            </a:r>
+            <a:r>
+              <a:rPr/>
+              <a:t> </a:t>
+            </a:r>
+            <a:r>
+              <a:rPr/>
+              <a:t>History</a:t>
+            </a:r>
+            <a:r>
+              <a:rPr/>
+              <a:t> </a:t>
+            </a:r>
+            <a:r>
+              <a:rPr/>
+              <a:t>of</a:t>
+            </a:r>
+            <a:r>
+              <a:rPr/>
+              <a:t> </a:t>
+            </a:r>
+            <a:r>
+              <a:rPr/>
+              <a:t>Investment</a:t>
+            </a:r>
+            <a:r>
+              <a:rPr/>
+              <a:t> </a:t>
+            </a:r>
+            <a:r>
+              <a:rPr/>
+              <a:t>Returns</a:t>
+            </a:r>
+            <a:r>
+              <a:rPr/>
+              <a:t> </a:t>
+            </a:r>
+            <a:r>
+              <a:rPr/>
+              <a:t>(2001-2019)</a:t>
+            </a:r>
+            <a:r>
+              <a:rPr/>
+              <a:t> </a:t>
+            </a:r>
+            <a:r>
+              <a:rPr/>
+              <a:t>w/</a:t>
+            </a:r>
+            <a:r>
+              <a:rPr/>
+              <a:t> </a:t>
+            </a:r>
+            <a:r>
+              <a:rPr/>
+              <a:t>R</a:t>
+            </a:r>
+            <a:r>
+              <a:rPr/>
+              <a:t> </a:t>
+            </a:r>
+            <a:r>
+              <a:rPr/>
+              <a:t>Code</a:t>
             </a:r>
           </a:p>
         </p:txBody>
       </p:sp>
       <p:pic>
         <p:nvPicPr>
-          <p:cNvPr id="3" name="Picture 1" descr="SamplePPT_files/figure-pptx/graph-1.png"/>
+          <p:cNvPr descr="SamplePPT_files/figure-pptx/graph-1.png" id="0" name="Picture 1"/>
           <p:cNvPicPr>
             <a:picLocks noGrp="1" noChangeAspect="1"/>
           </p:cNvPicPr>
@@ -3341,9 +3529,6 @@
       </p:pic>
     </p:spTree>
   </p:cSld>
-  <p:clrMapOvr>
-    <a:masterClrMapping/>
-  </p:clrMapOvr>
 </p:sld>
 </file>
 
@@ -3379,18 +3564,51 @@
           <a:bodyPr/>
           <a:lstStyle/>
           <a:p>
-            <a:pPr marL="0" lvl="0" indent="0">
+            <a:pPr lvl="0" marL="0" indent="0">
               <a:buNone/>
             </a:pPr>
             <a:r>
-              <a:t>Asset Allocation w/ R Code</a:t>
+              <a:rPr/>
+              <a:t>Asset</a:t>
+            </a:r>
+            <a:r>
+              <a:rPr/>
+              <a:t> </a:t>
+            </a:r>
+            <a:r>
+              <a:rPr/>
+              <a:t>Allocation</a:t>
+            </a:r>
+            <a:r>
+              <a:rPr/>
+              <a:t> </a:t>
+            </a:r>
+            <a:r>
+              <a:rPr/>
+              <a:t>w/</a:t>
+            </a:r>
+            <a:r>
+              <a:rPr/>
+              <a:t> </a:t>
+            </a:r>
+            <a:r>
+              <a:rPr/>
+              <a:t>R</a:t>
+            </a:r>
+            <a:r>
+              <a:rPr/>
+              <a:t> </a:t>
+            </a:r>
+            <a:r>
+              <a:rPr/>
+              <a:t>Code</a:t>
             </a:r>
           </a:p>
         </p:txBody>
       </p:sp>
       <p:pic>
         <p:nvPicPr>
-          <p:cNvPr id="3" name="Picture 1" descr="SamplePPT_files/figure-pptx/assets-1.png"/>
+          <p:cNvPr descr="SamplePPT_files/figure-pptx/assets-1.png" id="0" name="Picture 1"/>
           <p:cNvPicPr>
             <a:picLocks noGrp="1" noChangeAspect="1"/>
           </p:cNvPicPr>
@@ -3420,9 +3638,6 @@
       </p:pic>
     </p:spTree>
   </p:cSld>
-  <p:clrMapOvr>
-    <a:masterClrMapping/>
-  </p:clrMapOvr>
 </p:sld>
 </file>
 
@@ -3458,18 +3673,59 @@
           <a:bodyPr/>
           <a:lstStyle/>
           <a:p>
-            <a:pPr marL="0" lvl="0" indent="0">
+            <a:pPr lvl="0" marL="0" indent="0">
               <a:buNone/>
             </a:pPr>
             <a:r>
-              <a:t>Negative Amortization Growth w/ R Code</a:t>
+              <a:rPr/>
+              <a:t>Negative</a:t>
+            </a:r>
+            <a:r>
+              <a:rPr/>
+              <a:t> </a:t>
+            </a:r>
+            <a:r>
+              <a:rPr/>
+              <a:t>Amortization</a:t>
+            </a:r>
+            <a:r>
+              <a:rPr/>
+              <a:t> </a:t>
+            </a:r>
+            <a:r>
+              <a:rPr/>
+              <a:t>Growth</a:t>
+            </a:r>
+            <a:r>
+              <a:rPr/>
+              <a:t> </a:t>
+            </a:r>
+            <a:r>
+              <a:rPr/>
+              <a:t>w/</a:t>
+            </a:r>
+            <a:r>
+              <a:rPr/>
+              <a:t> </a:t>
+            </a:r>
+            <a:r>
+              <a:rPr/>
+              <a:t>R</a:t>
+            </a:r>
+            <a:r>
+              <a:rPr/>
+              <a:t> </a:t>
+            </a:r>
+            <a:r>
+              <a:rPr/>
+              <a:t>Code</a:t>
             </a:r>
           </a:p>
         </p:txBody>
       </p:sp>
       <p:pic>
         <p:nvPicPr>
-          <p:cNvPr id="3" name="Picture 1" descr="SamplePPT_files/figure-pptx/neg.amo-1.png"/>
+          <p:cNvPr descr="SamplePPT_files/figure-pptx/neg.amo-1.png" id="0" name="Picture 1"/>
           <p:cNvPicPr>
             <a:picLocks noGrp="1" noChangeAspect="1"/>
           </p:cNvPicPr>
@@ -3499,9 +3755,6 @@
       </p:pic>
     </p:spTree>
   </p:cSld>
-  <p:clrMapOvr>
-    <a:masterClrMapping/>
-  </p:clrMapOvr>
 </p:sld>
 </file>
 
@@ -3537,18 +3790,75 @@
           <a:bodyPr/>
           <a:lstStyle/>
           <a:p>
-            <a:pPr marL="0" lvl="0" indent="0">
+            <a:pPr lvl="0" marL="0" indent="0">
               <a:buNone/>
             </a:pPr>
             <a:r>
-              <a:t>A Mountain fo Debt Plot w/ Saved Img</a:t>
+              <a:rPr/>
+              <a:t>A</a:t>
+            </a:r>
+            <a:r>
+              <a:rPr/>
+              <a:t> </a:t>
+            </a:r>
+            <a:r>
+              <a:rPr/>
+              <a:t>Mountain</a:t>
+            </a:r>
+            <a:r>
+              <a:rPr/>
+              <a:t> </a:t>
+            </a:r>
+            <a:r>
+              <a:rPr/>
+              <a:t>fo</a:t>
+            </a:r>
+            <a:r>
+              <a:rPr/>
+              <a:t> </a:t>
+            </a:r>
+            <a:r>
+              <a:rPr/>
+              <a:t>Debt</a:t>
+            </a:r>
+            <a:r>
+              <a:rPr/>
+              <a:t> </a:t>
+            </a:r>
+            <a:r>
+              <a:rPr/>
+              <a:t>Plot</a:t>
+            </a:r>
+            <a:r>
+              <a:rPr/>
+              <a:t> </a:t>
+            </a:r>
+            <a:r>
+              <a:rPr/>
+              <a:t>w/</a:t>
+            </a:r>
+            <a:r>
+              <a:rPr/>
+              <a:t> </a:t>
+            </a:r>
+            <a:r>
+              <a:rPr/>
+              <a:t>Saved</a:t>
+            </a:r>
+            <a:r>
+              <a:rPr/>
+              <a:t> </a:t>
+            </a:r>
+            <a:r>
+              <a:rPr/>
+              <a:t>Img</a:t>
             </a:r>
           </a:p>
         </p:txBody>
       </p:sp>
       <p:pic>
         <p:nvPicPr>
-          <p:cNvPr id="3" name="Picture 1" descr="PERSI.debptPlot2.jpeg"/>
+          <p:cNvPr descr="PERSI.debptPlot2.jpeg" id="0" name="Picture 1"/>
           <p:cNvPicPr>
             <a:picLocks noGrp="1" noChangeAspect="1"/>
           </p:cNvPicPr>
@@ -3578,9 +3888,6 @@
       </p:pic>
     </p:spTree>
   </p:cSld>
-  <p:clrMapOvr>
-    <a:masterClrMapping/>
-  </p:clrMapOvr>
 </p:sld>
 </file>
 
@@ -3616,18 +3923,83 @@
           <a:bodyPr/>
           <a:lstStyle/>
           <a:p>
-            <a:pPr marL="0" lvl="0" indent="0">
+            <a:pPr lvl="0" marL="0" indent="0">
               <a:buNone/>
             </a:pPr>
             <a:r>
-              <a:t>A History of Weakening Solvency (2001-2019) w/ Saved Img</a:t>
+              <a:rPr/>
+              <a:t>A</a:t>
+            </a:r>
+            <a:r>
+              <a:rPr/>
+              <a:t> </a:t>
+            </a:r>
+            <a:r>
+              <a:rPr/>
+              <a:t>History</a:t>
+            </a:r>
+            <a:r>
+              <a:rPr/>
+              <a:t> </a:t>
+            </a:r>
+            <a:r>
+              <a:rPr/>
+              <a:t>of</a:t>
+            </a:r>
+            <a:r>
+              <a:rPr/>
+              <a:t> </a:t>
+            </a:r>
+            <a:r>
+              <a:rPr/>
+              <a:t>Weakening</a:t>
+            </a:r>
+            <a:r>
+              <a:rPr/>
+              <a:t> </a:t>
+            </a:r>
+            <a:r>
+              <a:rPr/>
+              <a:t>Solvency</a:t>
+            </a:r>
+            <a:r>
+              <a:rPr/>
+              <a:t> </a:t>
+            </a:r>
+            <a:r>
+              <a:rPr/>
+              <a:t>(2001-2019)</a:t>
+            </a:r>
+            <a:r>
+              <a:rPr/>
+              <a:t> </a:t>
+            </a:r>
+            <a:r>
+              <a:rPr/>
+              <a:t>w/</a:t>
+            </a:r>
+            <a:r>
+              <a:rPr/>
+              <a:t> </a:t>
+            </a:r>
+            <a:r>
+              <a:rPr/>
+              <a:t>Saved</a:t>
+            </a:r>
+            <a:r>
+              <a:rPr/>
+              <a:t> </a:t>
+            </a:r>
+            <a:r>
+              <a:rPr/>
+              <a:t>Img</a:t>
             </a:r>
           </a:p>
         </p:txBody>
       </p:sp>
       <p:pic>
         <p:nvPicPr>
-          <p:cNvPr id="3" name="Picture 1" descr="graphs/Inv.Returns.PERSI.jpeg"/>
+          <p:cNvPr descr="graphs/Inv.Returns.PERSI.jpeg" id="0" name="Picture 1"/>
           <p:cNvPicPr>
             <a:picLocks noGrp="1" noChangeAspect="1"/>
           </p:cNvPicPr>
@@ -3657,9 +4029,6 @@
       </p:pic>
     </p:spTree>
   </p:cSld>
-  <p:clrMapOvr>
-    <a:masterClrMapping/>
-  </p:clrMapOvr>
 </p:sld>
 </file>
 
@@ -3695,10 +4064,11 @@
           <a:bodyPr/>
           <a:lstStyle/>
           <a:p>
-            <a:pPr marL="0" lvl="0" indent="0">
+            <a:pPr lvl="0" marL="0" indent="0">
               <a:buNone/>
             </a:pPr>
             <a:r>
+              <a:rPr/>
               <a:t>References</a:t>
             </a:r>
           </a:p>
@@ -3749,9 +4119,6 @@
       </p:sp>
     </p:spTree>
   </p:cSld>
-  <p:clrMapOvr>
-    <a:masterClrMapping/>
-  </p:clrMapOvr>
 </p:sld>
 </file>
 

--- a/SamplePPT.pptx
+++ b/SamplePPT.pptx
@@ -1,8 +1,8 @@
 
 <file path=ppt/presentation.xml><?xml version="1.0" encoding="utf-8"?>
-<p:presentation xmlns:a="http://schemas.openxmlformats.org/drawingml/2006/main" xmlns:r="http://schemas.openxmlformats.org/officeDocument/2006/relationships" xmlns:p="http://schemas.openxmlformats.org/presentationml/2006/main" saveSubsetFonts="1" autoCompressPictures="0">
+<p:presentation xmlns:a="http://schemas.openxmlformats.org/drawingml/2006/main" xmlns:r="http://schemas.openxmlformats.org/officeDocument/2006/relationships" xmlns:p="http://schemas.openxmlformats.org/presentationml/2006/main" firstSlideNum="0" saveSubsetFonts="1" autoCompressPictures="0">
   <p:sldMasterIdLst>
-    <p:sldMasterId id="2147483648" r:id="rId1"/>
+    <p:sldMasterId id="2147483729" r:id="rId1"/>
   </p:sldMasterIdLst>
   <p:sldIdLst>
     <p:sldId id="256" r:id="rId2"/>
@@ -133,6 +133,20 @@
 <file path=ppt/slideLayouts/slideLayout1.xml><?xml version="1.0" encoding="utf-8"?>
 <p:sldLayout xmlns:a="http://schemas.openxmlformats.org/drawingml/2006/main" xmlns:r="http://schemas.openxmlformats.org/officeDocument/2006/relationships" xmlns:p="http://schemas.openxmlformats.org/presentationml/2006/main" type="title" preserve="1">
   <p:cSld name="Title Slide">
+    <p:bg>
+      <p:bgPr>
+        <a:blipFill dpi="0" rotWithShape="1">
+          <a:blip r:embed="rId2">
+            <a:lum/>
+          </a:blip>
+          <a:srcRect/>
+          <a:stretch>
+            <a:fillRect l="-14000" r="-14000"/>
+          </a:stretch>
+        </a:blipFill>
+        <a:effectLst/>
+      </p:bgPr>
+    </p:bg>
     <p:spTree>
       <p:nvGrpSpPr>
         <p:cNvPr id="1" name=""/>
@@ -154,24 +168,44 @@
             <a:spLocks noGrp="1"/>
           </p:cNvSpPr>
           <p:nvPr>
-            <p:ph type="ctrTitle"/>
+            <p:ph type="ctrTitle" hasCustomPrompt="1"/>
           </p:nvPr>
         </p:nvSpPr>
         <p:spPr>
           <a:xfrm>
-            <a:off x="685800" y="2130425"/>
-            <a:ext cx="7772400" cy="1470025"/>
-          </a:xfrm>
-        </p:spPr>
-        <p:txBody>
-          <a:bodyPr/>
-          <a:lstStyle/>
-          <a:p>
-            <a:r>
-              <a:rPr lang="en-US" smtClean="0"/>
-              <a:t>Click to edit Master title style</a:t>
-            </a:r>
-            <a:endParaRPr lang="en-US"/>
+            <a:off x="685800" y="1371600"/>
+            <a:ext cx="7848600" cy="1927225"/>
+          </a:xfrm>
+          <a:prstGeom prst="rect">
+            <a:avLst/>
+          </a:prstGeom>
+        </p:spPr>
+        <p:txBody>
+          <a:bodyPr anchor="b">
+            <a:noAutofit/>
+          </a:bodyPr>
+          <a:lstStyle>
+            <a:lvl1pPr>
+              <a:defRPr sz="4000" cap="all" baseline="0">
+                <a:solidFill>
+                  <a:schemeClr val="bg1"/>
+                </a:solidFill>
+              </a:defRPr>
+            </a:lvl1pPr>
+          </a:lstStyle>
+          <a:p>
+            <a:r>
+              <a:rPr lang="en-US" dirty="0"/>
+              <a:t>[State] [plan </a:t>
+            </a:r>
+            <a:r>
+              <a:rPr lang="en-US" dirty="0" err="1"/>
+              <a:t>abbv</a:t>
+            </a:r>
+            <a:r>
+              <a:rPr lang="en-US" dirty="0"/>
+              <a:t>]: pension plan solvency analysis</a:t>
+            </a:r>
           </a:p>
         </p:txBody>
       </p:sp>
@@ -182,25 +216,23 @@
             <a:spLocks noGrp="1"/>
           </p:cNvSpPr>
           <p:nvPr>
-            <p:ph type="subTitle" idx="1"/>
+            <p:ph type="subTitle" idx="1" hasCustomPrompt="1"/>
           </p:nvPr>
         </p:nvSpPr>
         <p:spPr>
           <a:xfrm>
-            <a:off x="1371600" y="3886200"/>
-            <a:ext cx="6400800" cy="1752600"/>
+            <a:off x="685800" y="3505200"/>
+            <a:ext cx="7848600" cy="1752600"/>
           </a:xfrm>
         </p:spPr>
         <p:txBody>
           <a:bodyPr/>
           <a:lstStyle>
-            <a:lvl1pPr marL="0" indent="0" algn="ctr">
-              <a:buNone/>
-              <a:defRPr>
+            <a:lvl1pPr marL="0" indent="0" algn="l">
+              <a:buNone/>
+              <a:defRPr b="0" baseline="0">
                 <a:solidFill>
-                  <a:schemeClr val="tx1">
-                    <a:tint val="75000"/>
-                  </a:schemeClr>
+                  <a:schemeClr val="bg1"/>
                 </a:solidFill>
               </a:defRPr>
             </a:lvl1pPr>
@@ -287,10 +319,21 @@
           </a:lstStyle>
           <a:p>
             <a:r>
-              <a:rPr lang="en-US" smtClean="0"/>
-              <a:t>Click to edit Master subtitle style</a:t>
-            </a:r>
-            <a:endParaRPr lang="en-US"/>
+              <a:rPr lang="en-US" dirty="0"/>
+              <a:t>Prepared by:</a:t>
+            </a:r>
+          </a:p>
+          <a:p>
+            <a:r>
+              <a:rPr lang="en-US" dirty="0"/>
+              <a:t>Pension Integrity Project at Reason Foundation</a:t>
+            </a:r>
+          </a:p>
+          <a:p>
+            <a:r>
+              <a:rPr lang="en-US" dirty="0"/>
+              <a:t>[Month] [Day], [Year]</a:t>
+            </a:r>
           </a:p>
         </p:txBody>
       </p:sp>
@@ -307,24 +350,51 @@
         <p:spPr/>
         <p:txBody>
           <a:bodyPr/>
+          <a:lstStyle>
+            <a:lvl1pPr>
+              <a:defRPr>
+                <a:solidFill>
+                  <a:schemeClr val="bg1"/>
+                </a:solidFill>
+              </a:defRPr>
+            </a:lvl1pPr>
+          </a:lstStyle>
+          <a:p>
+            <a:fld id="{10302D39-B686-2742-A69B-CE6D46FC9A4E}" type="datetime4">
+              <a:rPr lang="en-US" smtClean="0"/>
+              <a:t>December 12, 2020</a:t>
+            </a:fld>
+            <a:endParaRPr lang="en-US" dirty="0"/>
+          </a:p>
+        </p:txBody>
+      </p:sp>
+      <p:sp>
+        <p:nvSpPr>
+          <p:cNvPr id="5" name="Footer Placeholder 4"/>
+          <p:cNvSpPr>
+            <a:spLocks noGrp="1"/>
+          </p:cNvSpPr>
+          <p:nvPr>
+            <p:ph type="ftr" sz="quarter" idx="11"/>
+          </p:nvPr>
+        </p:nvSpPr>
+        <p:spPr/>
+        <p:txBody>
+          <a:bodyPr/>
           <a:lstStyle/>
           <a:p>
-            <a:fld id="{241EB5C9-1307-BA42-ABA2-0BC069CD8E7F}" type="datetimeFigureOut">
-              <a:rPr lang="en-US" smtClean="0"/>
-              <a:t>4/5/2019</a:t>
-            </a:fld>
-            <a:endParaRPr lang="en-US"/>
-          </a:p>
-        </p:txBody>
-      </p:sp>
-      <p:sp>
-        <p:nvSpPr>
-          <p:cNvPr id="5" name="Footer Placeholder 4"/>
-          <p:cNvSpPr>
-            <a:spLocks noGrp="1"/>
-          </p:cNvSpPr>
-          <p:nvPr>
-            <p:ph type="ftr" sz="quarter" idx="11"/>
+            <a:endParaRPr lang="en-US" dirty="0"/>
+          </a:p>
+        </p:txBody>
+      </p:sp>
+      <p:sp>
+        <p:nvSpPr>
+          <p:cNvPr id="6" name="Slide Number Placeholder 5"/>
+          <p:cNvSpPr>
+            <a:spLocks noGrp="1"/>
+          </p:cNvSpPr>
+          <p:nvPr>
+            <p:ph type="sldNum" sz="quarter" idx="12"/>
           </p:nvPr>
         </p:nvSpPr>
         <p:spPr/>
@@ -332,39 +402,81 @@
           <a:bodyPr/>
           <a:lstStyle/>
           <a:p>
-            <a:endParaRPr lang="en-US"/>
-          </a:p>
-        </p:txBody>
-      </p:sp>
-      <p:sp>
-        <p:nvSpPr>
-          <p:cNvPr id="6" name="Slide Number Placeholder 5"/>
-          <p:cNvSpPr>
-            <a:spLocks noGrp="1"/>
-          </p:cNvSpPr>
-          <p:nvPr>
-            <p:ph type="sldNum" sz="quarter" idx="12"/>
-          </p:nvPr>
-        </p:nvSpPr>
-        <p:spPr/>
-        <p:txBody>
-          <a:bodyPr/>
-          <a:lstStyle/>
-          <a:p>
-            <a:fld id="{C5EF2332-01BF-834F-8236-50238282D533}" type="slidenum">
-              <a:rPr lang="en-US" smtClean="0"/>
+            <a:fld id="{FA84A37A-AFC2-4A01-80A1-FC20F2C0D5BB}" type="slidenum">
+              <a:rPr lang="en-US" smtClean="0"/>
+              <a:pPr/>
               <a:t>‹#›</a:t>
             </a:fld>
-            <a:endParaRPr lang="en-US"/>
-          </a:p>
-        </p:txBody>
-      </p:sp>
+            <a:endParaRPr lang="en-US" dirty="0"/>
+          </a:p>
+        </p:txBody>
+      </p:sp>
+      <p:cxnSp>
+        <p:nvCxnSpPr>
+          <p:cNvPr id="8" name="Straight Connector 7"/>
+          <p:cNvCxnSpPr/>
+          <p:nvPr/>
+        </p:nvCxnSpPr>
+        <p:spPr>
+          <a:xfrm>
+            <a:off x="685800" y="3398520"/>
+            <a:ext cx="7848600" cy="1588"/>
+          </a:xfrm>
+          <a:prstGeom prst="line">
+            <a:avLst/>
+          </a:prstGeom>
+          <a:ln w="19050">
+            <a:solidFill>
+              <a:srgbClr val="FF6D2B"/>
+            </a:solidFill>
+          </a:ln>
+        </p:spPr>
+        <p:style>
+          <a:lnRef idx="1">
+            <a:schemeClr val="accent1"/>
+          </a:lnRef>
+          <a:fillRef idx="0">
+            <a:schemeClr val="accent1"/>
+          </a:fillRef>
+          <a:effectRef idx="0">
+            <a:schemeClr val="accent1"/>
+          </a:effectRef>
+          <a:fontRef idx="minor">
+            <a:schemeClr val="tx1"/>
+          </a:fontRef>
+        </p:style>
+      </p:cxnSp>
+      <p:pic>
+        <p:nvPicPr>
+          <p:cNvPr id="9" name="Picture 8">
+            <a:extLst>
+              <a:ext uri="{FF2B5EF4-FFF2-40B4-BE49-F238E27FC236}">
+                <a16:creationId xmlns:a16="http://schemas.microsoft.com/office/drawing/2014/main" id="{E98022B4-9216-5F47-9DF4-E67BBD1BADF9}"/>
+              </a:ext>
+            </a:extLst>
+          </p:cNvPr>
+          <p:cNvPicPr>
+            <a:picLocks noChangeAspect="1"/>
+          </p:cNvPicPr>
+          <p:nvPr userDrawn="1"/>
+        </p:nvPicPr>
+        <p:blipFill>
+          <a:blip r:embed="rId3"/>
+          <a:stretch>
+            <a:fillRect/>
+          </a:stretch>
+        </p:blipFill>
+        <p:spPr>
+          <a:xfrm>
+            <a:off x="6162040" y="5366957"/>
+            <a:ext cx="2372360" cy="1005674"/>
+          </a:xfrm>
+          <a:prstGeom prst="rect">
+            <a:avLst/>
+          </a:prstGeom>
+        </p:spPr>
+      </p:pic>
     </p:spTree>
-    <p:extLst>
-      <p:ext uri="{BB962C8B-B14F-4D97-AF65-F5344CB8AC3E}">
-        <p14:creationId xmlns:p14="http://schemas.microsoft.com/office/powerpoint/2010/main" val="1444357513"/>
-      </p:ext>
-    </p:extLst>
   </p:cSld>
   <p:clrMapOvr>
     <a:masterClrMapping/>
@@ -723,8 +835,8 @@
 </file>
 
 <file path=ppt/slideLayouts/slideLayout2.xml><?xml version="1.0" encoding="utf-8"?>
-<p:sldLayout xmlns:a="http://schemas.openxmlformats.org/drawingml/2006/main" xmlns:r="http://schemas.openxmlformats.org/officeDocument/2006/relationships" xmlns:p="http://schemas.openxmlformats.org/presentationml/2006/main" type="obj" preserve="1">
-  <p:cSld name="Title and Content">
+<p:sldLayout xmlns:a="http://schemas.openxmlformats.org/drawingml/2006/main" xmlns:r="http://schemas.openxmlformats.org/officeDocument/2006/relationships" xmlns:p="http://schemas.openxmlformats.org/presentationml/2006/main" preserve="1" userDrawn="1">
+  <p:cSld name="Content (Text &amp; Graph)">
     <p:spTree>
       <p:nvGrpSpPr>
         <p:cNvPr id="1" name=""/>
@@ -746,19 +858,37 @@
             <a:spLocks noGrp="1"/>
           </p:cNvSpPr>
           <p:nvPr>
-            <p:ph type="title"/>
-          </p:nvPr>
-        </p:nvSpPr>
-        <p:spPr/>
-        <p:txBody>
-          <a:bodyPr/>
-          <a:lstStyle/>
-          <a:p>
-            <a:r>
-              <a:rPr lang="en-US" smtClean="0"/>
-              <a:t>Click to edit Master title style</a:t>
-            </a:r>
-            <a:endParaRPr lang="en-US"/>
+            <p:ph type="title" hasCustomPrompt="1"/>
+          </p:nvPr>
+        </p:nvSpPr>
+        <p:spPr>
+          <a:xfrm>
+            <a:off x="457200" y="533400"/>
+            <a:ext cx="7864475" cy="990600"/>
+          </a:xfrm>
+          <a:prstGeom prst="rect">
+            <a:avLst/>
+          </a:prstGeom>
+        </p:spPr>
+        <p:txBody>
+          <a:bodyPr/>
+          <a:lstStyle>
+            <a:lvl1pPr>
+              <a:defRPr sz="3400">
+                <a:solidFill>
+                  <a:schemeClr val="tx1"/>
+                </a:solidFill>
+                <a:latin typeface="Gill Sans MT" charset="0"/>
+                <a:ea typeface="Gill Sans MT" charset="0"/>
+                <a:cs typeface="Gill Sans MT" charset="0"/>
+              </a:defRPr>
+            </a:lvl1pPr>
+          </a:lstStyle>
+          <a:p>
+            <a:r>
+              <a:rPr lang="en-US" dirty="0"/>
+              <a:t>Logo Top, Standard</a:t>
+            </a:r>
           </a:p>
         </p:txBody>
       </p:sp>
@@ -772,45 +902,101 @@
             <p:ph idx="1"/>
           </p:nvPr>
         </p:nvSpPr>
-        <p:spPr/>
-        <p:txBody>
-          <a:bodyPr/>
-          <a:lstStyle/>
+        <p:spPr>
+          <a:xfrm>
+            <a:off x="457200" y="1600200"/>
+            <a:ext cx="8229600" cy="4882896"/>
+          </a:xfrm>
+        </p:spPr>
+        <p:txBody>
+          <a:bodyPr/>
+          <a:lstStyle>
+            <a:lvl1pPr>
+              <a:buClr>
+                <a:srgbClr val="FF6D2B"/>
+              </a:buClr>
+              <a:defRPr>
+                <a:latin typeface="+mn-lt"/>
+                <a:ea typeface="Gill Sans MT" charset="0"/>
+                <a:cs typeface="Gill Sans MT" charset="0"/>
+              </a:defRPr>
+            </a:lvl1pPr>
+            <a:lvl2pPr>
+              <a:buClr>
+                <a:srgbClr val="FF6D2B"/>
+              </a:buClr>
+              <a:defRPr>
+                <a:latin typeface="+mn-lt"/>
+                <a:ea typeface="Gill Sans MT" charset="0"/>
+                <a:cs typeface="Gill Sans MT" charset="0"/>
+              </a:defRPr>
+            </a:lvl2pPr>
+            <a:lvl3pPr>
+              <a:buClr>
+                <a:srgbClr val="FF6D2B"/>
+              </a:buClr>
+              <a:defRPr>
+                <a:latin typeface="+mn-lt"/>
+                <a:ea typeface="Gill Sans MT" charset="0"/>
+                <a:cs typeface="Gill Sans MT" charset="0"/>
+              </a:defRPr>
+            </a:lvl3pPr>
+            <a:lvl4pPr>
+              <a:buClr>
+                <a:srgbClr val="FF6D2B"/>
+              </a:buClr>
+              <a:defRPr>
+                <a:latin typeface="+mn-lt"/>
+                <a:ea typeface="Gill Sans MT" charset="0"/>
+                <a:cs typeface="Gill Sans MT" charset="0"/>
+              </a:defRPr>
+            </a:lvl4pPr>
+            <a:lvl5pPr>
+              <a:buClr>
+                <a:srgbClr val="FF6D2B"/>
+              </a:buClr>
+              <a:defRPr>
+                <a:latin typeface="+mn-lt"/>
+                <a:ea typeface="Gill Sans MT" charset="0"/>
+                <a:cs typeface="Gill Sans MT" charset="0"/>
+              </a:defRPr>
+            </a:lvl5pPr>
+          </a:lstStyle>
           <a:p>
             <a:pPr lvl="0"/>
             <a:r>
-              <a:rPr lang="en-US" smtClean="0"/>
+              <a:rPr lang="en-US"/>
               <a:t>Click to edit Master text styles</a:t>
             </a:r>
           </a:p>
           <a:p>
             <a:pPr lvl="1"/>
             <a:r>
-              <a:rPr lang="en-US" smtClean="0"/>
+              <a:rPr lang="en-US"/>
               <a:t>Second level</a:t>
             </a:r>
           </a:p>
           <a:p>
             <a:pPr lvl="2"/>
             <a:r>
-              <a:rPr lang="en-US" smtClean="0"/>
+              <a:rPr lang="en-US"/>
               <a:t>Third level</a:t>
             </a:r>
           </a:p>
           <a:p>
             <a:pPr lvl="3"/>
             <a:r>
-              <a:rPr lang="en-US" smtClean="0"/>
+              <a:rPr lang="en-US"/>
               <a:t>Fourth level</a:t>
             </a:r>
           </a:p>
           <a:p>
             <a:pPr lvl="4"/>
             <a:r>
-              <a:rPr lang="en-US" smtClean="0"/>
+              <a:rPr lang="en-US"/>
               <a:t>Fifth level</a:t>
             </a:r>
-            <a:endParaRPr lang="en-US"/>
+            <a:endParaRPr lang="en-US" dirty="0"/>
           </a:p>
         </p:txBody>
       </p:sp>
@@ -824,16 +1010,32 @@
             <p:ph type="dt" sz="half" idx="10"/>
           </p:nvPr>
         </p:nvSpPr>
-        <p:spPr/>
-        <p:txBody>
-          <a:bodyPr/>
-          <a:lstStyle/>
-          <a:p>
-            <a:fld id="{241EB5C9-1307-BA42-ABA2-0BC069CD8E7F}" type="datetimeFigureOut">
-              <a:rPr lang="en-US" smtClean="0"/>
-              <a:t>4/5/2019</a:t>
+        <p:spPr>
+          <a:xfrm>
+            <a:off x="7632700" y="0"/>
+            <a:ext cx="1355852" cy="365760"/>
+          </a:xfrm>
+        </p:spPr>
+        <p:txBody>
+          <a:bodyPr/>
+          <a:lstStyle>
+            <a:lvl1pPr>
+              <a:defRPr>
+                <a:solidFill>
+                  <a:schemeClr val="bg1"/>
+                </a:solidFill>
+                <a:latin typeface="Gill Sans MT" charset="0"/>
+                <a:ea typeface="Gill Sans MT" charset="0"/>
+                <a:cs typeface="Gill Sans MT" charset="0"/>
+              </a:defRPr>
+            </a:lvl1pPr>
+          </a:lstStyle>
+          <a:p>
+            <a:fld id="{585AD263-A788-3145-8D38-AEBC1D444AEE}" type="datetime4">
+              <a:rPr lang="en-US" smtClean="0"/>
+              <a:t>December 12, 2020</a:t>
             </a:fld>
-            <a:endParaRPr lang="en-US"/>
+            <a:endParaRPr lang="en-US" dirty="0"/>
           </a:p>
         </p:txBody>
       </p:sp>
@@ -847,12 +1049,28 @@
             <p:ph type="ftr" sz="quarter" idx="11"/>
           </p:nvPr>
         </p:nvSpPr>
-        <p:spPr/>
-        <p:txBody>
-          <a:bodyPr/>
-          <a:lstStyle/>
-          <a:p>
-            <a:endParaRPr lang="en-US"/>
+        <p:spPr>
+          <a:xfrm>
+            <a:off x="146304" y="0"/>
+            <a:ext cx="2423160" cy="365760"/>
+          </a:xfrm>
+        </p:spPr>
+        <p:txBody>
+          <a:bodyPr/>
+          <a:lstStyle>
+            <a:lvl1pPr>
+              <a:defRPr>
+                <a:solidFill>
+                  <a:schemeClr val="bg1"/>
+                </a:solidFill>
+                <a:latin typeface="Gill Sans MT" charset="0"/>
+                <a:ea typeface="Gill Sans MT" charset="0"/>
+                <a:cs typeface="Gill Sans MT" charset="0"/>
+              </a:defRPr>
+            </a:lvl1pPr>
+          </a:lstStyle>
+          <a:p>
+            <a:endParaRPr lang="en-US" dirty="0"/>
           </a:p>
         </p:txBody>
       </p:sp>
@@ -866,23 +1084,134 @@
             <p:ph type="sldNum" sz="quarter" idx="12"/>
           </p:nvPr>
         </p:nvSpPr>
-        <p:spPr/>
-        <p:txBody>
-          <a:bodyPr/>
-          <a:lstStyle/>
-          <a:p>
-            <a:fld id="{C5EF2332-01BF-834F-8236-50238282D533}" type="slidenum">
-              <a:rPr lang="en-US" smtClean="0"/>
+        <p:spPr>
+          <a:xfrm>
+            <a:off x="4882896" y="0"/>
+            <a:ext cx="445398" cy="365760"/>
+          </a:xfrm>
+        </p:spPr>
+        <p:txBody>
+          <a:bodyPr/>
+          <a:lstStyle>
+            <a:lvl1pPr>
+              <a:defRPr>
+                <a:latin typeface="Gill Sans MT" charset="0"/>
+                <a:ea typeface="Gill Sans MT" charset="0"/>
+                <a:cs typeface="Gill Sans MT" charset="0"/>
+              </a:defRPr>
+            </a:lvl1pPr>
+          </a:lstStyle>
+          <a:p>
+            <a:fld id="{7462207E-B25F-844C-A813-B7E57EC8376C}" type="slidenum">
+              <a:rPr lang="en-US" smtClean="0"/>
+              <a:pPr/>
               <a:t>‹#›</a:t>
             </a:fld>
-            <a:endParaRPr lang="en-US"/>
-          </a:p>
-        </p:txBody>
-      </p:sp>
+            <a:endParaRPr lang="en-US" dirty="0"/>
+          </a:p>
+        </p:txBody>
+      </p:sp>
+      <p:sp>
+        <p:nvSpPr>
+          <p:cNvPr id="13" name="Content Placeholder 2"/>
+          <p:cNvSpPr>
+            <a:spLocks noGrp="1"/>
+          </p:cNvSpPr>
+          <p:nvPr>
+            <p:ph idx="13" hasCustomPrompt="1"/>
+          </p:nvPr>
+        </p:nvSpPr>
+        <p:spPr>
+          <a:xfrm>
+            <a:off x="0" y="6553200"/>
+            <a:ext cx="9144000" cy="304800"/>
+          </a:xfrm>
+        </p:spPr>
+        <p:txBody>
+          <a:bodyPr>
+            <a:normAutofit/>
+          </a:bodyPr>
+          <a:lstStyle>
+            <a:lvl1pPr marL="0" indent="0" algn="ctr">
+              <a:buNone/>
+              <a:defRPr sz="1000">
+                <a:latin typeface="+mn-lt"/>
+                <a:ea typeface="Gill Sans MT" charset="0"/>
+                <a:cs typeface="Gill Sans MT" charset="0"/>
+              </a:defRPr>
+            </a:lvl1pPr>
+            <a:lvl2pPr>
+              <a:defRPr>
+                <a:latin typeface="Gill Sans MT" charset="0"/>
+                <a:ea typeface="Gill Sans MT" charset="0"/>
+                <a:cs typeface="Gill Sans MT" charset="0"/>
+              </a:defRPr>
+            </a:lvl2pPr>
+            <a:lvl3pPr>
+              <a:defRPr>
+                <a:latin typeface="Gill Sans MT" charset="0"/>
+                <a:ea typeface="Gill Sans MT" charset="0"/>
+                <a:cs typeface="Gill Sans MT" charset="0"/>
+              </a:defRPr>
+            </a:lvl3pPr>
+            <a:lvl4pPr>
+              <a:defRPr>
+                <a:latin typeface="Gill Sans MT" charset="0"/>
+                <a:ea typeface="Gill Sans MT" charset="0"/>
+                <a:cs typeface="Gill Sans MT" charset="0"/>
+              </a:defRPr>
+            </a:lvl4pPr>
+            <a:lvl5pPr>
+              <a:defRPr>
+                <a:latin typeface="Gill Sans MT" charset="0"/>
+                <a:ea typeface="Gill Sans MT" charset="0"/>
+                <a:cs typeface="Gill Sans MT" charset="0"/>
+              </a:defRPr>
+            </a:lvl5pPr>
+          </a:lstStyle>
+          <a:p>
+            <a:pPr lvl="0"/>
+            <a:r>
+              <a:rPr lang="en-US" dirty="0"/>
+              <a:t>Source: </a:t>
+            </a:r>
+          </a:p>
+        </p:txBody>
+      </p:sp>
+      <p:pic>
+        <p:nvPicPr>
+          <p:cNvPr id="8" name="Picture 7">
+            <a:extLst>
+              <a:ext uri="{FF2B5EF4-FFF2-40B4-BE49-F238E27FC236}">
+                <a16:creationId xmlns:a16="http://schemas.microsoft.com/office/drawing/2014/main" id="{D372398F-E4EE-494C-9E99-BA30E7C29DE3}"/>
+              </a:ext>
+            </a:extLst>
+          </p:cNvPr>
+          <p:cNvPicPr>
+            <a:picLocks noChangeAspect="1"/>
+          </p:cNvPicPr>
+          <p:nvPr userDrawn="1"/>
+        </p:nvPicPr>
+        <p:blipFill>
+          <a:blip r:embed="rId2"/>
+          <a:stretch>
+            <a:fillRect/>
+          </a:stretch>
+        </p:blipFill>
+        <p:spPr>
+          <a:xfrm>
+            <a:off x="8421624" y="557784"/>
+            <a:ext cx="599410" cy="932688"/>
+          </a:xfrm>
+          <a:prstGeom prst="rect">
+            <a:avLst/>
+          </a:prstGeom>
+        </p:spPr>
+      </p:pic>
     </p:spTree>
     <p:extLst>
       <p:ext uri="{BB962C8B-B14F-4D97-AF65-F5344CB8AC3E}">
-        <p14:creationId xmlns:p14="http://schemas.microsoft.com/office/powerpoint/2010/main" val="338346009"/>
+        <p14:creationId xmlns:p14="http://schemas.microsoft.com/office/powerpoint/2010/main" val="2932228743"/>
       </p:ext>
     </p:extLst>
   </p:cSld>
@@ -893,8 +1222,22 @@
 </file>
 
 <file path=ppt/slideLayouts/slideLayout3.xml><?xml version="1.0" encoding="utf-8"?>
-<p:sldLayout xmlns:a="http://schemas.openxmlformats.org/drawingml/2006/main" xmlns:r="http://schemas.openxmlformats.org/officeDocument/2006/relationships" xmlns:p="http://schemas.openxmlformats.org/presentationml/2006/main" type="secHead" preserve="1">
+<p:sldLayout xmlns:a="http://schemas.openxmlformats.org/drawingml/2006/main" xmlns:r="http://schemas.openxmlformats.org/officeDocument/2006/relationships" xmlns:p="http://schemas.openxmlformats.org/presentationml/2006/main" preserve="1" userDrawn="1">
   <p:cSld name="Section Header">
+    <p:bg>
+      <p:bgPr>
+        <a:blipFill dpi="0" rotWithShape="1">
+          <a:blip r:embed="rId2">
+            <a:lum/>
+          </a:blip>
+          <a:srcRect/>
+          <a:stretch>
+            <a:fillRect l="-14000" r="-14000"/>
+          </a:stretch>
+        </a:blipFill>
+        <a:effectLst/>
+      </p:bgPr>
+    </p:bg>
     <p:spTree>
       <p:nvGrpSpPr>
         <p:cNvPr id="1" name=""/>
@@ -916,231 +1259,233 @@
             <a:spLocks noGrp="1"/>
           </p:cNvSpPr>
           <p:nvPr>
-            <p:ph type="title"/>
+            <p:ph type="title" hasCustomPrompt="1"/>
           </p:nvPr>
         </p:nvSpPr>
         <p:spPr>
           <a:xfrm>
-            <a:off x="722313" y="4406900"/>
-            <a:ext cx="7772400" cy="1362075"/>
-          </a:xfrm>
-        </p:spPr>
-        <p:txBody>
-          <a:bodyPr anchor="t"/>
+            <a:off x="722313" y="2362200"/>
+            <a:ext cx="7772400" cy="2200275"/>
+          </a:xfrm>
+          <a:prstGeom prst="rect">
+            <a:avLst/>
+          </a:prstGeom>
+        </p:spPr>
+        <p:txBody>
+          <a:bodyPr anchor="b">
+            <a:normAutofit/>
+          </a:bodyPr>
           <a:lstStyle>
             <a:lvl1pPr algn="l">
-              <a:defRPr sz="4000" b="1" cap="all"/>
+              <a:defRPr sz="4400" b="0" cap="all">
+                <a:solidFill>
+                  <a:schemeClr val="tx1"/>
+                </a:solidFill>
+                <a:latin typeface="Gill Sans MT" charset="0"/>
+                <a:ea typeface="Gill Sans MT" charset="0"/>
+                <a:cs typeface="Gill Sans MT" charset="0"/>
+              </a:defRPr>
             </a:lvl1pPr>
           </a:lstStyle>
           <a:p>
             <a:r>
-              <a:rPr lang="en-US" smtClean="0"/>
-              <a:t>Click to edit Master title style</a:t>
-            </a:r>
-            <a:endParaRPr lang="en-US"/>
-          </a:p>
-        </p:txBody>
-      </p:sp>
-      <p:sp>
-        <p:nvSpPr>
-          <p:cNvPr id="3" name="Text Placeholder 2"/>
-          <p:cNvSpPr>
-            <a:spLocks noGrp="1"/>
-          </p:cNvSpPr>
-          <p:nvPr>
-            <p:ph type="body" idx="1"/>
-          </p:nvPr>
-        </p:nvSpPr>
-        <p:spPr>
-          <a:xfrm>
-            <a:off x="722313" y="2906713"/>
-            <a:ext cx="7772400" cy="1500187"/>
-          </a:xfrm>
-        </p:spPr>
-        <p:txBody>
-          <a:bodyPr anchor="b"/>
+              <a:rPr lang="en-US" dirty="0"/>
+              <a:t>Section Title</a:t>
+            </a:r>
+          </a:p>
+        </p:txBody>
+      </p:sp>
+      <p:sp>
+        <p:nvSpPr>
+          <p:cNvPr id="4" name="Date Placeholder 3"/>
+          <p:cNvSpPr>
+            <a:spLocks noGrp="1"/>
+          </p:cNvSpPr>
+          <p:nvPr>
+            <p:ph type="dt" sz="half" idx="10"/>
+          </p:nvPr>
+        </p:nvSpPr>
+        <p:spPr/>
+        <p:txBody>
+          <a:bodyPr/>
           <a:lstStyle>
-            <a:lvl1pPr marL="0" indent="0">
-              <a:buNone/>
-              <a:defRPr sz="2000">
+            <a:lvl1pPr>
+              <a:defRPr>
                 <a:solidFill>
-                  <a:schemeClr val="tx1">
-                    <a:tint val="75000"/>
-                  </a:schemeClr>
+                  <a:schemeClr val="tx1"/>
                 </a:solidFill>
+                <a:latin typeface="Gill Sans MT" charset="0"/>
+                <a:ea typeface="Gill Sans MT" charset="0"/>
+                <a:cs typeface="Gill Sans MT" charset="0"/>
               </a:defRPr>
             </a:lvl1pPr>
-            <a:lvl2pPr marL="457200" indent="0">
-              <a:buNone/>
-              <a:defRPr sz="1800">
-                <a:solidFill>
-                  <a:schemeClr val="tx1">
-                    <a:tint val="75000"/>
-                  </a:schemeClr>
-                </a:solidFill>
+          </a:lstStyle>
+          <a:p>
+            <a:fld id="{B606C5D1-9323-1B45-8355-7D55EA8EE66A}" type="datetime4">
+              <a:rPr lang="en-US" smtClean="0"/>
+              <a:t>December 12, 2020</a:t>
+            </a:fld>
+            <a:endParaRPr lang="en-US" dirty="0"/>
+          </a:p>
+        </p:txBody>
+      </p:sp>
+      <p:sp>
+        <p:nvSpPr>
+          <p:cNvPr id="6" name="Slide Number Placeholder 5"/>
+          <p:cNvSpPr>
+            <a:spLocks noGrp="1"/>
+          </p:cNvSpPr>
+          <p:nvPr>
+            <p:ph type="sldNum" sz="quarter" idx="12"/>
+          </p:nvPr>
+        </p:nvSpPr>
+        <p:spPr/>
+        <p:txBody>
+          <a:bodyPr/>
+          <a:lstStyle>
+            <a:lvl1pPr>
+              <a:defRPr>
+                <a:latin typeface="Gill Sans MT" charset="0"/>
+                <a:ea typeface="Gill Sans MT" charset="0"/>
+                <a:cs typeface="Gill Sans MT" charset="0"/>
               </a:defRPr>
-            </a:lvl2pPr>
-            <a:lvl3pPr marL="914400" indent="0">
-              <a:buNone/>
-              <a:defRPr sz="1600">
-                <a:solidFill>
-                  <a:schemeClr val="tx1">
-                    <a:tint val="75000"/>
-                  </a:schemeClr>
-                </a:solidFill>
-              </a:defRPr>
-            </a:lvl3pPr>
-            <a:lvl4pPr marL="1371600" indent="0">
-              <a:buNone/>
-              <a:defRPr sz="1400">
-                <a:solidFill>
-                  <a:schemeClr val="tx1">
-                    <a:tint val="75000"/>
-                  </a:schemeClr>
-                </a:solidFill>
-              </a:defRPr>
-            </a:lvl4pPr>
-            <a:lvl5pPr marL="1828800" indent="0">
-              <a:buNone/>
-              <a:defRPr sz="1400">
-                <a:solidFill>
-                  <a:schemeClr val="tx1">
-                    <a:tint val="75000"/>
-                  </a:schemeClr>
-                </a:solidFill>
-              </a:defRPr>
-            </a:lvl5pPr>
-            <a:lvl6pPr marL="2286000" indent="0">
-              <a:buNone/>
-              <a:defRPr sz="1400">
-                <a:solidFill>
-                  <a:schemeClr val="tx1">
-                    <a:tint val="75000"/>
-                  </a:schemeClr>
-                </a:solidFill>
-              </a:defRPr>
-            </a:lvl6pPr>
-            <a:lvl7pPr marL="2743200" indent="0">
-              <a:buNone/>
-              <a:defRPr sz="1400">
-                <a:solidFill>
-                  <a:schemeClr val="tx1">
-                    <a:tint val="75000"/>
-                  </a:schemeClr>
-                </a:solidFill>
-              </a:defRPr>
-            </a:lvl7pPr>
-            <a:lvl8pPr marL="3200400" indent="0">
-              <a:buNone/>
-              <a:defRPr sz="1400">
-                <a:solidFill>
-                  <a:schemeClr val="tx1">
-                    <a:tint val="75000"/>
-                  </a:schemeClr>
-                </a:solidFill>
-              </a:defRPr>
-            </a:lvl8pPr>
-            <a:lvl9pPr marL="3657600" indent="0">
-              <a:buNone/>
-              <a:defRPr sz="1400">
-                <a:solidFill>
-                  <a:schemeClr val="tx1">
-                    <a:tint val="75000"/>
-                  </a:schemeClr>
-                </a:solidFill>
-              </a:defRPr>
-            </a:lvl9pPr>
+            </a:lvl1pPr>
           </a:lstStyle>
           <a:p>
-            <a:pPr lvl="0"/>
-            <a:r>
-              <a:rPr lang="en-US" smtClean="0"/>
-              <a:t>Click to edit Master text styles</a:t>
-            </a:r>
-          </a:p>
-        </p:txBody>
-      </p:sp>
-      <p:sp>
-        <p:nvSpPr>
-          <p:cNvPr id="4" name="Date Placeholder 3"/>
-          <p:cNvSpPr>
-            <a:spLocks noGrp="1"/>
-          </p:cNvSpPr>
-          <p:nvPr>
-            <p:ph type="dt" sz="half" idx="10"/>
-          </p:nvPr>
-        </p:nvSpPr>
-        <p:spPr/>
-        <p:txBody>
-          <a:bodyPr/>
-          <a:lstStyle/>
-          <a:p>
-            <a:fld id="{241EB5C9-1307-BA42-ABA2-0BC069CD8E7F}" type="datetimeFigureOut">
-              <a:rPr lang="en-US" smtClean="0"/>
-              <a:t>4/5/2019</a:t>
-            </a:fld>
-            <a:endParaRPr lang="en-US"/>
-          </a:p>
-        </p:txBody>
-      </p:sp>
-      <p:sp>
-        <p:nvSpPr>
-          <p:cNvPr id="5" name="Footer Placeholder 4"/>
-          <p:cNvSpPr>
-            <a:spLocks noGrp="1"/>
-          </p:cNvSpPr>
-          <p:nvPr>
-            <p:ph type="ftr" sz="quarter" idx="11"/>
-          </p:nvPr>
-        </p:nvSpPr>
-        <p:spPr/>
-        <p:txBody>
-          <a:bodyPr/>
-          <a:lstStyle/>
-          <a:p>
-            <a:endParaRPr lang="en-US"/>
-          </a:p>
-        </p:txBody>
-      </p:sp>
-      <p:sp>
-        <p:nvSpPr>
-          <p:cNvPr id="6" name="Slide Number Placeholder 5"/>
-          <p:cNvSpPr>
-            <a:spLocks noGrp="1"/>
-          </p:cNvSpPr>
-          <p:nvPr>
-            <p:ph type="sldNum" sz="quarter" idx="12"/>
-          </p:nvPr>
-        </p:nvSpPr>
-        <p:spPr/>
-        <p:txBody>
-          <a:bodyPr/>
-          <a:lstStyle/>
-          <a:p>
-            <a:fld id="{C5EF2332-01BF-834F-8236-50238282D533}" type="slidenum">
-              <a:rPr lang="en-US" smtClean="0"/>
+            <a:fld id="{7462207E-B25F-844C-A813-B7E57EC8376C}" type="slidenum">
+              <a:rPr lang="en-US" smtClean="0"/>
+              <a:pPr/>
               <a:t>‹#›</a:t>
             </a:fld>
-            <a:endParaRPr lang="en-US"/>
-          </a:p>
-        </p:txBody>
-      </p:sp>
+            <a:endParaRPr lang="en-US" dirty="0"/>
+          </a:p>
+        </p:txBody>
+      </p:sp>
+      <p:cxnSp>
+        <p:nvCxnSpPr>
+          <p:cNvPr id="7" name="Straight Connector 6"/>
+          <p:cNvCxnSpPr/>
+          <p:nvPr/>
+        </p:nvCxnSpPr>
+        <p:spPr>
+          <a:xfrm>
+            <a:off x="731520" y="4599432"/>
+            <a:ext cx="7848600" cy="1588"/>
+          </a:xfrm>
+          <a:prstGeom prst="line">
+            <a:avLst/>
+          </a:prstGeom>
+          <a:ln w="19050">
+            <a:solidFill>
+              <a:srgbClr val="FF6D2B"/>
+            </a:solidFill>
+          </a:ln>
+        </p:spPr>
+        <p:style>
+          <a:lnRef idx="1">
+            <a:schemeClr val="accent1"/>
+          </a:lnRef>
+          <a:fillRef idx="0">
+            <a:schemeClr val="accent1"/>
+          </a:fillRef>
+          <a:effectRef idx="0">
+            <a:schemeClr val="accent1"/>
+          </a:effectRef>
+          <a:fontRef idx="minor">
+            <a:schemeClr val="tx1"/>
+          </a:fontRef>
+        </p:style>
+      </p:cxnSp>
+      <p:sp>
+        <p:nvSpPr>
+          <p:cNvPr id="8" name="Footer Placeholder 4"/>
+          <p:cNvSpPr>
+            <a:spLocks noGrp="1"/>
+          </p:cNvSpPr>
+          <p:nvPr>
+            <p:ph type="ftr" sz="quarter" idx="11"/>
+          </p:nvPr>
+        </p:nvSpPr>
+        <p:spPr>
+          <a:xfrm>
+            <a:off x="146304" y="0"/>
+            <a:ext cx="2423160" cy="365760"/>
+          </a:xfrm>
+        </p:spPr>
+        <p:txBody>
+          <a:bodyPr/>
+          <a:lstStyle>
+            <a:lvl1pPr>
+              <a:defRPr>
+                <a:solidFill>
+                  <a:schemeClr val="tx1"/>
+                </a:solidFill>
+                <a:latin typeface="Gill Sans MT" charset="0"/>
+                <a:ea typeface="Gill Sans MT" charset="0"/>
+                <a:cs typeface="Gill Sans MT" charset="0"/>
+              </a:defRPr>
+            </a:lvl1pPr>
+          </a:lstStyle>
+          <a:p>
+            <a:endParaRPr lang="en-US" dirty="0"/>
+          </a:p>
+        </p:txBody>
+      </p:sp>
+      <p:pic>
+        <p:nvPicPr>
+          <p:cNvPr id="9" name="Picture 8">
+            <a:extLst>
+              <a:ext uri="{FF2B5EF4-FFF2-40B4-BE49-F238E27FC236}">
+                <a16:creationId xmlns:a16="http://schemas.microsoft.com/office/drawing/2014/main" id="{3F5D78B9-2160-584E-BBA7-5668B7EB213A}"/>
+              </a:ext>
+            </a:extLst>
+          </p:cNvPr>
+          <p:cNvPicPr>
+            <a:picLocks noChangeAspect="1"/>
+          </p:cNvPicPr>
+          <p:nvPr userDrawn="1"/>
+        </p:nvPicPr>
+        <p:blipFill>
+          <a:blip r:embed="rId3"/>
+          <a:stretch>
+            <a:fillRect/>
+          </a:stretch>
+        </p:blipFill>
+        <p:spPr>
+          <a:xfrm>
+            <a:off x="8418259" y="555560"/>
+            <a:ext cx="603504" cy="936118"/>
+          </a:xfrm>
+          <a:prstGeom prst="rect">
+            <a:avLst/>
+          </a:prstGeom>
+        </p:spPr>
+      </p:pic>
     </p:spTree>
-    <p:extLst>
-      <p:ext uri="{BB962C8B-B14F-4D97-AF65-F5344CB8AC3E}">
-        <p14:creationId xmlns:p14="http://schemas.microsoft.com/office/powerpoint/2010/main" val="1073069076"/>
-      </p:ext>
-    </p:extLst>
   </p:cSld>
   <p:clrMapOvr>
-    <a:masterClrMapping/>
+    <a:overrideClrMapping bg1="dk1" tx1="lt1" bg2="dk2" tx2="lt2" accent1="accent1" accent2="accent2" accent3="accent3" accent4="accent4" accent5="accent5" accent6="accent6" hlink="hlink" folHlink="folHlink"/>
   </p:clrMapOvr>
 </p:sldLayout>
 </file>
 
 <file path=ppt/slideLayouts/slideLayout4.xml><?xml version="1.0" encoding="utf-8"?>
-<p:sldLayout xmlns:a="http://schemas.openxmlformats.org/drawingml/2006/main" xmlns:r="http://schemas.openxmlformats.org/officeDocument/2006/relationships" xmlns:p="http://schemas.openxmlformats.org/presentationml/2006/main" type="twoObj" preserve="1">
-  <p:cSld name="Two Content">
+<p:sldLayout xmlns:a="http://schemas.openxmlformats.org/drawingml/2006/main" xmlns:r="http://schemas.openxmlformats.org/officeDocument/2006/relationships" xmlns:p="http://schemas.openxmlformats.org/presentationml/2006/main" preserve="1" userDrawn="1">
+  <p:cSld name="Sub-Section Header">
+    <p:bg>
+      <p:bgPr>
+        <a:blipFill dpi="0" rotWithShape="1">
+          <a:blip r:embed="rId2">
+            <a:lum/>
+          </a:blip>
+          <a:srcRect/>
+          <a:stretch>
+            <a:fillRect l="-14000" r="-14000"/>
+          </a:stretch>
+        </a:blipFill>
+        <a:effectLst/>
+      </p:bgPr>
+    </p:bg>
     <p:spTree>
       <p:nvGrpSpPr>
         <p:cNvPr id="1" name=""/>
@@ -1162,266 +1507,302 @@
             <a:spLocks noGrp="1"/>
           </p:cNvSpPr>
           <p:nvPr>
-            <p:ph type="title"/>
+            <p:ph type="title" hasCustomPrompt="1"/>
+          </p:nvPr>
+        </p:nvSpPr>
+        <p:spPr>
+          <a:xfrm>
+            <a:off x="722313" y="2362200"/>
+            <a:ext cx="7772400" cy="2200275"/>
+          </a:xfrm>
+          <a:prstGeom prst="rect">
+            <a:avLst/>
+          </a:prstGeom>
+        </p:spPr>
+        <p:txBody>
+          <a:bodyPr anchor="b">
+            <a:normAutofit/>
+          </a:bodyPr>
+          <a:lstStyle>
+            <a:lvl1pPr algn="l">
+              <a:defRPr sz="3800" b="0" cap="all">
+                <a:solidFill>
+                  <a:schemeClr val="tx1"/>
+                </a:solidFill>
+                <a:latin typeface="Gill Sans MT" charset="0"/>
+                <a:ea typeface="Gill Sans MT" charset="0"/>
+                <a:cs typeface="Gill Sans MT" charset="0"/>
+              </a:defRPr>
+            </a:lvl1pPr>
+          </a:lstStyle>
+          <a:p>
+            <a:r>
+              <a:rPr lang="en-US" dirty="0"/>
+              <a:t>Sub-Section Title</a:t>
+            </a:r>
+          </a:p>
+        </p:txBody>
+      </p:sp>
+      <p:sp>
+        <p:nvSpPr>
+          <p:cNvPr id="4" name="Date Placeholder 3"/>
+          <p:cNvSpPr>
+            <a:spLocks noGrp="1"/>
+          </p:cNvSpPr>
+          <p:nvPr>
+            <p:ph type="dt" sz="half" idx="10"/>
           </p:nvPr>
         </p:nvSpPr>
         <p:spPr/>
-        <p:txBody>
-          <a:bodyPr/>
-          <a:lstStyle/>
-          <a:p>
-            <a:r>
-              <a:rPr lang="en-US" smtClean="0"/>
-              <a:t>Click to edit Master title style</a:t>
-            </a:r>
-            <a:endParaRPr lang="en-US"/>
-          </a:p>
-        </p:txBody>
-      </p:sp>
-      <p:sp>
-        <p:nvSpPr>
-          <p:cNvPr id="3" name="Content Placeholder 2"/>
-          <p:cNvSpPr>
-            <a:spLocks noGrp="1"/>
-          </p:cNvSpPr>
-          <p:nvPr>
-            <p:ph sz="half" idx="1"/>
-          </p:nvPr>
-        </p:nvSpPr>
-        <p:spPr>
-          <a:xfrm>
-            <a:off x="457200" y="1600200"/>
-            <a:ext cx="4038600" cy="4525963"/>
-          </a:xfrm>
-        </p:spPr>
         <p:txBody>
           <a:bodyPr/>
           <a:lstStyle>
             <a:lvl1pPr>
-              <a:defRPr sz="2800"/>
+              <a:defRPr>
+                <a:solidFill>
+                  <a:schemeClr val="tx1"/>
+                </a:solidFill>
+                <a:latin typeface="Gill Sans MT" charset="0"/>
+                <a:ea typeface="Gill Sans MT" charset="0"/>
+                <a:cs typeface="Gill Sans MT" charset="0"/>
+              </a:defRPr>
             </a:lvl1pPr>
-            <a:lvl2pPr>
-              <a:defRPr sz="2400"/>
-            </a:lvl2pPr>
-            <a:lvl3pPr>
-              <a:defRPr sz="2000"/>
-            </a:lvl3pPr>
-            <a:lvl4pPr>
-              <a:defRPr sz="1800"/>
-            </a:lvl4pPr>
-            <a:lvl5pPr>
-              <a:defRPr sz="1800"/>
-            </a:lvl5pPr>
-            <a:lvl6pPr>
-              <a:defRPr sz="1800"/>
-            </a:lvl6pPr>
-            <a:lvl7pPr>
-              <a:defRPr sz="1800"/>
-            </a:lvl7pPr>
-            <a:lvl8pPr>
-              <a:defRPr sz="1800"/>
-            </a:lvl8pPr>
-            <a:lvl9pPr>
-              <a:defRPr sz="1800"/>
-            </a:lvl9pPr>
           </a:lstStyle>
           <a:p>
-            <a:pPr lvl="0"/>
-            <a:r>
-              <a:rPr lang="en-US" smtClean="0"/>
-              <a:t>Click to edit Master text styles</a:t>
-            </a:r>
-          </a:p>
-          <a:p>
-            <a:pPr lvl="1"/>
-            <a:r>
-              <a:rPr lang="en-US" smtClean="0"/>
-              <a:t>Second level</a:t>
-            </a:r>
-          </a:p>
-          <a:p>
-            <a:pPr lvl="2"/>
-            <a:r>
-              <a:rPr lang="en-US" smtClean="0"/>
-              <a:t>Third level</a:t>
-            </a:r>
-          </a:p>
-          <a:p>
-            <a:pPr lvl="3"/>
-            <a:r>
-              <a:rPr lang="en-US" smtClean="0"/>
-              <a:t>Fourth level</a:t>
-            </a:r>
-          </a:p>
-          <a:p>
-            <a:pPr lvl="4"/>
-            <a:r>
-              <a:rPr lang="en-US" smtClean="0"/>
-              <a:t>Fifth level</a:t>
-            </a:r>
-            <a:endParaRPr lang="en-US"/>
-          </a:p>
-        </p:txBody>
-      </p:sp>
-      <p:sp>
-        <p:nvSpPr>
-          <p:cNvPr id="4" name="Content Placeholder 3"/>
-          <p:cNvSpPr>
-            <a:spLocks noGrp="1"/>
-          </p:cNvSpPr>
-          <p:nvPr>
-            <p:ph sz="half" idx="2"/>
-          </p:nvPr>
-        </p:nvSpPr>
-        <p:spPr>
-          <a:xfrm>
-            <a:off x="4648200" y="1600200"/>
-            <a:ext cx="4038600" cy="4525963"/>
-          </a:xfrm>
-        </p:spPr>
+            <a:fld id="{A4108F21-3CFE-3045-9ABB-E1E1413BA1A1}" type="datetime4">
+              <a:rPr lang="en-US" smtClean="0"/>
+              <a:t>December 12, 2020</a:t>
+            </a:fld>
+            <a:endParaRPr lang="en-US" dirty="0"/>
+          </a:p>
+        </p:txBody>
+      </p:sp>
+      <p:sp>
+        <p:nvSpPr>
+          <p:cNvPr id="6" name="Slide Number Placeholder 5"/>
+          <p:cNvSpPr>
+            <a:spLocks noGrp="1"/>
+          </p:cNvSpPr>
+          <p:nvPr>
+            <p:ph type="sldNum" sz="quarter" idx="12"/>
+          </p:nvPr>
+        </p:nvSpPr>
+        <p:spPr/>
         <p:txBody>
           <a:bodyPr/>
           <a:lstStyle>
             <a:lvl1pPr>
-              <a:defRPr sz="2800"/>
+              <a:defRPr>
+                <a:latin typeface="Gill Sans MT" charset="0"/>
+                <a:ea typeface="Gill Sans MT" charset="0"/>
+                <a:cs typeface="Gill Sans MT" charset="0"/>
+              </a:defRPr>
             </a:lvl1pPr>
-            <a:lvl2pPr>
-              <a:defRPr sz="2400"/>
-            </a:lvl2pPr>
-            <a:lvl3pPr>
-              <a:defRPr sz="2000"/>
-            </a:lvl3pPr>
-            <a:lvl4pPr>
-              <a:defRPr sz="1800"/>
-            </a:lvl4pPr>
-            <a:lvl5pPr>
-              <a:defRPr sz="1800"/>
-            </a:lvl5pPr>
-            <a:lvl6pPr>
-              <a:defRPr sz="1800"/>
-            </a:lvl6pPr>
-            <a:lvl7pPr>
-              <a:defRPr sz="1800"/>
-            </a:lvl7pPr>
-            <a:lvl8pPr>
-              <a:defRPr sz="1800"/>
-            </a:lvl8pPr>
-            <a:lvl9pPr>
-              <a:defRPr sz="1800"/>
-            </a:lvl9pPr>
           </a:lstStyle>
           <a:p>
-            <a:pPr lvl="0"/>
-            <a:r>
-              <a:rPr lang="en-US" smtClean="0"/>
-              <a:t>Click to edit Master text styles</a:t>
-            </a:r>
-          </a:p>
-          <a:p>
-            <a:pPr lvl="1"/>
-            <a:r>
-              <a:rPr lang="en-US" smtClean="0"/>
-              <a:t>Second level</a:t>
-            </a:r>
-          </a:p>
-          <a:p>
-            <a:pPr lvl="2"/>
-            <a:r>
-              <a:rPr lang="en-US" smtClean="0"/>
-              <a:t>Third level</a:t>
-            </a:r>
-          </a:p>
-          <a:p>
-            <a:pPr lvl="3"/>
-            <a:r>
-              <a:rPr lang="en-US" smtClean="0"/>
-              <a:t>Fourth level</a:t>
-            </a:r>
-          </a:p>
-          <a:p>
-            <a:pPr lvl="4"/>
-            <a:r>
-              <a:rPr lang="en-US" smtClean="0"/>
-              <a:t>Fifth level</a:t>
-            </a:r>
-            <a:endParaRPr lang="en-US"/>
-          </a:p>
-        </p:txBody>
-      </p:sp>
-      <p:sp>
-        <p:nvSpPr>
-          <p:cNvPr id="5" name="Date Placeholder 4"/>
-          <p:cNvSpPr>
-            <a:spLocks noGrp="1"/>
-          </p:cNvSpPr>
-          <p:nvPr>
-            <p:ph type="dt" sz="half" idx="10"/>
-          </p:nvPr>
-        </p:nvSpPr>
-        <p:spPr/>
-        <p:txBody>
-          <a:bodyPr/>
-          <a:lstStyle/>
-          <a:p>
-            <a:fld id="{241EB5C9-1307-BA42-ABA2-0BC069CD8E7F}" type="datetimeFigureOut">
-              <a:rPr lang="en-US" smtClean="0"/>
-              <a:t>4/5/2019</a:t>
-            </a:fld>
-            <a:endParaRPr lang="en-US"/>
-          </a:p>
-        </p:txBody>
-      </p:sp>
-      <p:sp>
-        <p:nvSpPr>
-          <p:cNvPr id="6" name="Footer Placeholder 5"/>
-          <p:cNvSpPr>
-            <a:spLocks noGrp="1"/>
-          </p:cNvSpPr>
-          <p:nvPr>
-            <p:ph type="ftr" sz="quarter" idx="11"/>
-          </p:nvPr>
-        </p:nvSpPr>
-        <p:spPr/>
-        <p:txBody>
-          <a:bodyPr/>
-          <a:lstStyle/>
-          <a:p>
-            <a:endParaRPr lang="en-US"/>
-          </a:p>
-        </p:txBody>
-      </p:sp>
-      <p:sp>
-        <p:nvSpPr>
-          <p:cNvPr id="7" name="Slide Number Placeholder 6"/>
-          <p:cNvSpPr>
-            <a:spLocks noGrp="1"/>
-          </p:cNvSpPr>
-          <p:nvPr>
-            <p:ph type="sldNum" sz="quarter" idx="12"/>
-          </p:nvPr>
-        </p:nvSpPr>
-        <p:spPr/>
-        <p:txBody>
-          <a:bodyPr/>
-          <a:lstStyle/>
-          <a:p>
-            <a:fld id="{C5EF2332-01BF-834F-8236-50238282D533}" type="slidenum">
-              <a:rPr lang="en-US" smtClean="0"/>
+            <a:fld id="{7462207E-B25F-844C-A813-B7E57EC8376C}" type="slidenum">
+              <a:rPr lang="en-US" smtClean="0"/>
+              <a:pPr/>
               <a:t>‹#›</a:t>
             </a:fld>
-            <a:endParaRPr lang="en-US"/>
-          </a:p>
-        </p:txBody>
-      </p:sp>
+            <a:endParaRPr lang="en-US" dirty="0"/>
+          </a:p>
+        </p:txBody>
+      </p:sp>
+      <p:cxnSp>
+        <p:nvCxnSpPr>
+          <p:cNvPr id="7" name="Straight Connector 6"/>
+          <p:cNvCxnSpPr/>
+          <p:nvPr/>
+        </p:nvCxnSpPr>
+        <p:spPr>
+          <a:xfrm>
+            <a:off x="731520" y="4599432"/>
+            <a:ext cx="7848600" cy="1588"/>
+          </a:xfrm>
+          <a:prstGeom prst="line">
+            <a:avLst/>
+          </a:prstGeom>
+          <a:ln w="19050">
+            <a:solidFill>
+              <a:srgbClr val="FF6D2B"/>
+            </a:solidFill>
+          </a:ln>
+        </p:spPr>
+        <p:style>
+          <a:lnRef idx="1">
+            <a:schemeClr val="accent1"/>
+          </a:lnRef>
+          <a:fillRef idx="0">
+            <a:schemeClr val="accent1"/>
+          </a:fillRef>
+          <a:effectRef idx="0">
+            <a:schemeClr val="accent1"/>
+          </a:effectRef>
+          <a:fontRef idx="minor">
+            <a:schemeClr val="tx1"/>
+          </a:fontRef>
+        </p:style>
+      </p:cxnSp>
+      <p:sp>
+        <p:nvSpPr>
+          <p:cNvPr id="8" name="Footer Placeholder 4"/>
+          <p:cNvSpPr>
+            <a:spLocks noGrp="1"/>
+          </p:cNvSpPr>
+          <p:nvPr>
+            <p:ph type="ftr" sz="quarter" idx="11"/>
+          </p:nvPr>
+        </p:nvSpPr>
+        <p:spPr>
+          <a:xfrm>
+            <a:off x="146304" y="0"/>
+            <a:ext cx="2423160" cy="365760"/>
+          </a:xfrm>
+        </p:spPr>
+        <p:txBody>
+          <a:bodyPr/>
+          <a:lstStyle>
+            <a:lvl1pPr>
+              <a:defRPr>
+                <a:solidFill>
+                  <a:schemeClr val="tx1"/>
+                </a:solidFill>
+                <a:latin typeface="Gill Sans MT" charset="0"/>
+                <a:ea typeface="Gill Sans MT" charset="0"/>
+                <a:cs typeface="Gill Sans MT" charset="0"/>
+              </a:defRPr>
+            </a:lvl1pPr>
+          </a:lstStyle>
+          <a:p>
+            <a:endParaRPr lang="en-US" dirty="0"/>
+          </a:p>
+        </p:txBody>
+      </p:sp>
+      <p:sp>
+        <p:nvSpPr>
+          <p:cNvPr id="9" name="Text Placeholder 2"/>
+          <p:cNvSpPr>
+            <a:spLocks noGrp="1"/>
+          </p:cNvSpPr>
+          <p:nvPr>
+            <p:ph type="body" idx="1" hasCustomPrompt="1"/>
+          </p:nvPr>
+        </p:nvSpPr>
+        <p:spPr>
+          <a:xfrm>
+            <a:off x="722313" y="4626864"/>
+            <a:ext cx="7772400" cy="2053336"/>
+          </a:xfrm>
+        </p:spPr>
+        <p:txBody>
+          <a:bodyPr>
+            <a:normAutofit/>
+          </a:bodyPr>
+          <a:lstStyle>
+            <a:lvl1pPr>
+              <a:buClr>
+                <a:srgbClr val="FF6D2B"/>
+              </a:buClr>
+              <a:defRPr b="0" i="0" cap="none" spc="0" baseline="0">
+                <a:ln w="0"/>
+                <a:solidFill>
+                  <a:schemeClr val="tx1"/>
+                </a:solidFill>
+                <a:effectLst>
+                  <a:outerShdw blurRad="38100" dist="19050" dir="2700000" algn="tl" rotWithShape="0">
+                    <a:schemeClr val="dk1">
+                      <a:alpha val="40000"/>
+                    </a:schemeClr>
+                  </a:outerShdw>
+                </a:effectLst>
+                <a:latin typeface="+mn-lt"/>
+                <a:ea typeface="Gill Sans MT" charset="0"/>
+                <a:cs typeface="Gill Sans MT" charset="0"/>
+              </a:defRPr>
+            </a:lvl1pPr>
+          </a:lstStyle>
+          <a:p>
+            <a:pPr marL="342900" indent="-342900">
+              <a:buFont typeface="Arial"/>
+              <a:buChar char="•"/>
+            </a:pPr>
+            <a:r>
+              <a:rPr lang="en-US" sz="2000" b="1" dirty="0">
+                <a:solidFill>
+                  <a:schemeClr val="accent1">
+                    <a:lumMod val="40000"/>
+                    <a:lumOff val="60000"/>
+                  </a:schemeClr>
+                </a:solidFill>
+                <a:cs typeface="Times New Roman" panose="02020603050405020304" pitchFamily="18" charset="0"/>
+              </a:rPr>
+              <a:t>Notes</a:t>
+            </a:r>
+          </a:p>
+          <a:p>
+            <a:pPr marL="342900" indent="-342900">
+              <a:buFont typeface="Arial"/>
+              <a:buChar char="•"/>
+            </a:pPr>
+            <a:r>
+              <a:rPr lang="en-US" sz="2000" b="1" dirty="0">
+                <a:solidFill>
+                  <a:schemeClr val="accent1">
+                    <a:lumMod val="40000"/>
+                    <a:lumOff val="60000"/>
+                  </a:schemeClr>
+                </a:solidFill>
+                <a:cs typeface="Times New Roman" panose="02020603050405020304" pitchFamily="18" charset="0"/>
+              </a:rPr>
+              <a:t>Notes</a:t>
+            </a:r>
+            <a:endParaRPr lang="en-US" dirty="0">
+              <a:solidFill>
+                <a:schemeClr val="accent1">
+                  <a:lumMod val="40000"/>
+                  <a:lumOff val="60000"/>
+                </a:schemeClr>
+              </a:solidFill>
+              <a:cs typeface="Times New Roman" panose="02020603050405020304" pitchFamily="18" charset="0"/>
+            </a:endParaRPr>
+          </a:p>
+        </p:txBody>
+      </p:sp>
+      <p:pic>
+        <p:nvPicPr>
+          <p:cNvPr id="11" name="Picture 10">
+            <a:extLst>
+              <a:ext uri="{FF2B5EF4-FFF2-40B4-BE49-F238E27FC236}">
+                <a16:creationId xmlns:a16="http://schemas.microsoft.com/office/drawing/2014/main" id="{8477465F-9A01-0649-8F79-2B63C8F844BE}"/>
+              </a:ext>
+            </a:extLst>
+          </p:cNvPr>
+          <p:cNvPicPr>
+            <a:picLocks noChangeAspect="1"/>
+          </p:cNvPicPr>
+          <p:nvPr userDrawn="1"/>
+        </p:nvPicPr>
+        <p:blipFill>
+          <a:blip r:embed="rId3"/>
+          <a:stretch>
+            <a:fillRect/>
+          </a:stretch>
+        </p:blipFill>
+        <p:spPr>
+          <a:xfrm>
+            <a:off x="8418449" y="557403"/>
+            <a:ext cx="603504" cy="936118"/>
+          </a:xfrm>
+          <a:prstGeom prst="rect">
+            <a:avLst/>
+          </a:prstGeom>
+        </p:spPr>
+      </p:pic>
     </p:spTree>
-    <p:extLst>
-      <p:ext uri="{BB962C8B-B14F-4D97-AF65-F5344CB8AC3E}">
-        <p14:creationId xmlns:p14="http://schemas.microsoft.com/office/powerpoint/2010/main" val="2619886245"/>
-      </p:ext>
-    </p:extLst>
   </p:cSld>
   <p:clrMapOvr>
-    <a:masterClrMapping/>
+    <a:overrideClrMapping bg1="dk1" tx1="lt1" bg2="dk2" tx2="lt2" accent1="accent1" accent2="accent2" accent3="accent3" accent4="accent4" accent5="accent5" accent6="accent6" hlink="hlink" folHlink="folHlink"/>
   </p:clrMapOvr>
 </p:sldLayout>
 </file>
@@ -2615,34 +2996,47 @@
       </p:grpSpPr>
       <p:sp>
         <p:nvSpPr>
-          <p:cNvPr id="2" name="Title Placeholder 1"/>
-          <p:cNvSpPr>
-            <a:spLocks noGrp="1"/>
-          </p:cNvSpPr>
-          <p:nvPr>
-            <p:ph type="title"/>
-          </p:nvPr>
+          <p:cNvPr id="10" name="Rectangle 9"/>
+          <p:cNvSpPr/>
+          <p:nvPr/>
         </p:nvSpPr>
         <p:spPr>
           <a:xfrm>
-            <a:off x="457200" y="274638"/>
-            <a:ext cx="8229600" cy="1143000"/>
+            <a:off x="0" y="220786"/>
+            <a:ext cx="9144000" cy="228600"/>
           </a:xfrm>
           <a:prstGeom prst="rect">
             <a:avLst/>
           </a:prstGeom>
-        </p:spPr>
-        <p:txBody>
-          <a:bodyPr vert="horz" lIns="91440" tIns="45720" rIns="91440" bIns="45720" rtlCol="0" anchor="ctr">
-            <a:normAutofit/>
-          </a:bodyPr>
+          <a:solidFill>
+            <a:srgbClr val="FFFFFF"/>
+          </a:solidFill>
+          <a:ln>
+            <a:noFill/>
+          </a:ln>
+        </p:spPr>
+        <p:style>
+          <a:lnRef idx="2">
+            <a:schemeClr val="accent1">
+              <a:shade val="50000"/>
+            </a:schemeClr>
+          </a:lnRef>
+          <a:fillRef idx="1">
+            <a:schemeClr val="accent1"/>
+          </a:fillRef>
+          <a:effectRef idx="0">
+            <a:schemeClr val="accent1"/>
+          </a:effectRef>
+          <a:fontRef idx="minor">
+            <a:schemeClr val="lt1"/>
+          </a:fontRef>
+        </p:style>
+        <p:txBody>
+          <a:bodyPr rtlCol="0" anchor="ctr"/>
           <a:lstStyle/>
           <a:p>
-            <a:r>
-              <a:rPr lang="en-US" smtClean="0"/>
-              <a:t>Click to edit Master title style</a:t>
-            </a:r>
-            <a:endParaRPr lang="en-US"/>
+            <a:pPr algn="ctr"/>
+            <a:endParaRPr lang="en-US" dirty="0"/>
           </a:p>
         </p:txBody>
       </p:sp>
@@ -2659,7 +3053,7 @@
         <p:spPr>
           <a:xfrm>
             <a:off x="457200" y="1600200"/>
-            <a:ext cx="8229600" cy="4525963"/>
+            <a:ext cx="8229600" cy="4876800"/>
           </a:xfrm>
           <a:prstGeom prst="rect">
             <a:avLst/>
@@ -2673,38 +3067,84 @@
           <a:p>
             <a:pPr lvl="0"/>
             <a:r>
-              <a:rPr lang="en-US" smtClean="0"/>
+              <a:rPr lang="en-US"/>
               <a:t>Click to edit Master text styles</a:t>
             </a:r>
           </a:p>
           <a:p>
             <a:pPr lvl="1"/>
             <a:r>
-              <a:rPr lang="en-US" smtClean="0"/>
+              <a:rPr lang="en-US"/>
               <a:t>Second level</a:t>
             </a:r>
           </a:p>
           <a:p>
             <a:pPr lvl="2"/>
             <a:r>
-              <a:rPr lang="en-US" smtClean="0"/>
+              <a:rPr lang="en-US"/>
               <a:t>Third level</a:t>
             </a:r>
           </a:p>
           <a:p>
             <a:pPr lvl="3"/>
             <a:r>
-              <a:rPr lang="en-US" smtClean="0"/>
+              <a:rPr lang="en-US"/>
               <a:t>Fourth level</a:t>
             </a:r>
           </a:p>
           <a:p>
             <a:pPr lvl="4"/>
             <a:r>
-              <a:rPr lang="en-US" smtClean="0"/>
+              <a:rPr lang="en-US"/>
               <a:t>Fifth level</a:t>
             </a:r>
-            <a:endParaRPr lang="en-US"/>
+            <a:endParaRPr lang="en-US" dirty="0"/>
+          </a:p>
+        </p:txBody>
+      </p:sp>
+      <p:sp>
+        <p:nvSpPr>
+          <p:cNvPr id="7" name="Rectangle 6"/>
+          <p:cNvSpPr/>
+          <p:nvPr userDrawn="1"/>
+        </p:nvSpPr>
+        <p:spPr>
+          <a:xfrm>
+            <a:off x="0" y="0"/>
+            <a:ext cx="9144000" cy="365760"/>
+          </a:xfrm>
+          <a:prstGeom prst="rect">
+            <a:avLst/>
+          </a:prstGeom>
+          <a:solidFill>
+            <a:srgbClr val="FF6D2C"/>
+          </a:solidFill>
+          <a:ln>
+            <a:noFill/>
+          </a:ln>
+        </p:spPr>
+        <p:style>
+          <a:lnRef idx="2">
+            <a:schemeClr val="accent1">
+              <a:shade val="50000"/>
+            </a:schemeClr>
+          </a:lnRef>
+          <a:fillRef idx="1">
+            <a:schemeClr val="accent1"/>
+          </a:fillRef>
+          <a:effectRef idx="0">
+            <a:schemeClr val="accent1"/>
+          </a:effectRef>
+          <a:fontRef idx="minor">
+            <a:schemeClr val="lt1"/>
+          </a:fontRef>
+        </p:style>
+        <p:txBody>
+          <a:bodyPr rtlCol="0" anchor="ctr"/>
+          <a:lstStyle/>
+          <a:p>
+            <a:pPr algn="ctr"/>
+            <a:endParaRPr lang="en-US" dirty="0"/>
           </a:p>
         </p:txBody>
       </p:sp>
@@ -2720,8 +3160,8 @@
         </p:nvSpPr>
         <p:spPr>
           <a:xfrm>
-            <a:off x="457200" y="6356350"/>
-            <a:ext cx="2133600" cy="365125"/>
+            <a:off x="7645400" y="0"/>
+            <a:ext cx="1348519" cy="365760"/>
           </a:xfrm>
           <a:prstGeom prst="rect">
             <a:avLst/>
@@ -2733,19 +3173,20 @@
             <a:lvl1pPr algn="l">
               <a:defRPr sz="1200">
                 <a:solidFill>
-                  <a:schemeClr val="tx1">
-                    <a:tint val="75000"/>
-                  </a:schemeClr>
+                  <a:schemeClr val="bg1"/>
                 </a:solidFill>
+                <a:latin typeface="Gill Sans MT" charset="0"/>
+                <a:ea typeface="Gill Sans MT" charset="0"/>
+                <a:cs typeface="Gill Sans MT" charset="0"/>
               </a:defRPr>
             </a:lvl1pPr>
           </a:lstStyle>
           <a:p>
-            <a:fld id="{241EB5C9-1307-BA42-ABA2-0BC069CD8E7F}" type="datetimeFigureOut">
-              <a:rPr lang="en-US" smtClean="0"/>
-              <a:t>4/5/2019</a:t>
+            <a:fld id="{5EF76A7A-0506-6C4D-8382-BFC753915B9A}" type="datetime4">
+              <a:rPr lang="en-US" smtClean="0"/>
+              <a:t>December 12, 2020</a:t>
             </a:fld>
-            <a:endParaRPr lang="en-US"/>
+            <a:endParaRPr lang="en-US" dirty="0"/>
           </a:p>
         </p:txBody>
       </p:sp>
@@ -2761,8 +3202,8 @@
         </p:nvSpPr>
         <p:spPr>
           <a:xfrm>
-            <a:off x="3124200" y="6356350"/>
-            <a:ext cx="2895600" cy="365125"/>
+            <a:off x="147845" y="0"/>
+            <a:ext cx="2421171" cy="365760"/>
           </a:xfrm>
           <a:prstGeom prst="rect">
             <a:avLst/>
@@ -2774,15 +3215,16 @@
             <a:lvl1pPr algn="ctr">
               <a:defRPr sz="1200">
                 <a:solidFill>
-                  <a:schemeClr val="tx1">
-                    <a:tint val="75000"/>
-                  </a:schemeClr>
+                  <a:schemeClr val="bg1"/>
                 </a:solidFill>
+                <a:latin typeface="Gill Sans MT" charset="0"/>
+                <a:ea typeface="Gill Sans MT" charset="0"/>
+                <a:cs typeface="Gill Sans MT" charset="0"/>
               </a:defRPr>
             </a:lvl1pPr>
           </a:lstStyle>
           <a:p>
-            <a:endParaRPr lang="en-US"/>
+            <a:endParaRPr lang="en-US" dirty="0"/>
           </a:p>
         </p:txBody>
       </p:sp>
@@ -2798,8 +3240,8 @@
         </p:nvSpPr>
         <p:spPr>
           <a:xfrm>
-            <a:off x="6553200" y="6356350"/>
-            <a:ext cx="2133600" cy="365125"/>
+            <a:off x="4884509" y="-4273"/>
+            <a:ext cx="445398" cy="365760"/>
           </a:xfrm>
           <a:prstGeom prst="rect">
             <a:avLst/>
@@ -2808,146 +3250,192 @@
         <p:txBody>
           <a:bodyPr vert="horz" lIns="91440" tIns="45720" rIns="91440" bIns="45720" rtlCol="0" anchor="ctr"/>
           <a:lstStyle>
-            <a:lvl1pPr algn="r">
-              <a:defRPr sz="1200">
+            <a:lvl1pPr algn="l">
+              <a:defRPr sz="1400" b="1">
                 <a:solidFill>
-                  <a:schemeClr val="tx1">
-                    <a:tint val="75000"/>
-                  </a:schemeClr>
+                  <a:srgbClr val="FFFFFF"/>
                 </a:solidFill>
+                <a:latin typeface="Gill Sans MT" charset="0"/>
+                <a:ea typeface="Gill Sans MT" charset="0"/>
+                <a:cs typeface="Gill Sans MT" charset="0"/>
               </a:defRPr>
             </a:lvl1pPr>
           </a:lstStyle>
           <a:p>
-            <a:fld id="{C5EF2332-01BF-834F-8236-50238282D533}" type="slidenum">
-              <a:rPr lang="en-US" smtClean="0"/>
+            <a:fld id="{7462207E-B25F-844C-A813-B7E57EC8376C}" type="slidenum">
+              <a:rPr lang="en-US" smtClean="0"/>
+              <a:pPr/>
               <a:t>‹#›</a:t>
             </a:fld>
-            <a:endParaRPr lang="en-US"/>
+            <a:endParaRPr lang="en-US" dirty="0"/>
+          </a:p>
+        </p:txBody>
+      </p:sp>
+      <p:sp>
+        <p:nvSpPr>
+          <p:cNvPr id="11" name="Title Placeholder 10"/>
+          <p:cNvSpPr>
+            <a:spLocks noGrp="1"/>
+          </p:cNvSpPr>
+          <p:nvPr>
+            <p:ph type="title"/>
+          </p:nvPr>
+        </p:nvSpPr>
+        <p:spPr>
+          <a:xfrm>
+            <a:off x="628650" y="365125"/>
+            <a:ext cx="7886700" cy="1325563"/>
+          </a:xfrm>
+          <a:prstGeom prst="rect">
+            <a:avLst/>
+          </a:prstGeom>
+        </p:spPr>
+        <p:txBody>
+          <a:bodyPr vert="horz" lIns="91440" tIns="45720" rIns="91440" bIns="45720" rtlCol="0" anchor="ctr">
+            <a:normAutofit/>
+          </a:bodyPr>
+          <a:lstStyle/>
+          <a:p>
+            <a:r>
+              <a:rPr lang="en-US"/>
+              <a:t>Click to edit Master title style</a:t>
+            </a:r>
+            <a:endParaRPr lang="en-US" dirty="0"/>
           </a:p>
         </p:txBody>
       </p:sp>
     </p:spTree>
-    <p:extLst>
-      <p:ext uri="{BB962C8B-B14F-4D97-AF65-F5344CB8AC3E}">
-        <p14:creationId xmlns:p14="http://schemas.microsoft.com/office/powerpoint/2010/main" val="3676200875"/>
-      </p:ext>
-    </p:extLst>
   </p:cSld>
   <p:clrMap bg1="lt1" tx1="dk1" bg2="lt2" tx2="dk2" accent1="accent1" accent2="accent2" accent3="accent3" accent4="accent4" accent5="accent5" accent6="accent6" hlink="hlink" folHlink="folHlink"/>
   <p:sldLayoutIdLst>
-    <p:sldLayoutId id="2147483649" r:id="rId1"/>
-    <p:sldLayoutId id="2147483650" r:id="rId2"/>
-    <p:sldLayoutId id="2147483651" r:id="rId3"/>
-    <p:sldLayoutId id="2147483652" r:id="rId4"/>
-    <p:sldLayoutId id="2147483653" r:id="rId5"/>
-    <p:sldLayoutId id="2147483654" r:id="rId6"/>
-    <p:sldLayoutId id="2147483655" r:id="rId7"/>
-    <p:sldLayoutId id="2147483656" r:id="rId8"/>
-    <p:sldLayoutId id="2147483657" r:id="rId9"/>
-    <p:sldLayoutId id="2147483658" r:id="rId10"/>
-    <p:sldLayoutId id="2147483659" r:id="rId11"/>
+    <p:sldLayoutId id="2147483730" r:id="rId1"/>
+    <p:sldLayoutId id="2147483742" r:id="rId2"/>
+    <p:sldLayoutId id="2147483732" r:id="rId3"/>
+    <p:sldLayoutId id="2147483743" r:id="rId4"/>
   </p:sldLayoutIdLst>
+  <p:hf hdr="0" ftr="0"/>
   <p:txStyles>
     <p:titleStyle>
-      <a:lvl1pPr algn="ctr" defTabSz="457200" rtl="0" eaLnBrk="1" latinLnBrk="0" hangingPunct="1">
+      <a:lvl1pPr algn="l" defTabSz="914400" rtl="0" eaLnBrk="1" latinLnBrk="0" hangingPunct="1">
         <a:spcBef>
           <a:spcPct val="0"/>
         </a:spcBef>
         <a:buNone/>
-        <a:defRPr sz="4400" kern="1200">
+        <a:defRPr sz="4000" kern="1200" spc="-100" baseline="0">
           <a:solidFill>
-            <a:schemeClr val="tx1"/>
+            <a:schemeClr val="tx2"/>
           </a:solidFill>
-          <a:latin typeface="+mj-lt"/>
-          <a:ea typeface="+mj-ea"/>
-          <a:cs typeface="+mj-cs"/>
+          <a:latin typeface="Gill Sans MT" charset="0"/>
+          <a:ea typeface="Gill Sans MT" charset="0"/>
+          <a:cs typeface="Gill Sans MT" charset="0"/>
         </a:defRPr>
       </a:lvl1pPr>
     </p:titleStyle>
     <p:bodyStyle>
-      <a:lvl1pPr marL="342900" indent="-342900" algn="l" defTabSz="457200" rtl="0" eaLnBrk="1" latinLnBrk="0" hangingPunct="1">
+      <a:lvl1pPr marL="182880" indent="-182880" algn="l" defTabSz="914400" rtl="0" eaLnBrk="1" latinLnBrk="0" hangingPunct="1">
         <a:spcBef>
           <a:spcPct val="20000"/>
         </a:spcBef>
-        <a:buFont typeface="Arial"/>
-        <a:buChar char="•"/>
-        <a:defRPr sz="3200" kern="1200">
-          <a:solidFill>
-            <a:schemeClr val="tx1"/>
-          </a:solidFill>
-          <a:latin typeface="+mn-lt"/>
-          <a:ea typeface="+mn-ea"/>
-          <a:cs typeface="+mn-cs"/>
-        </a:defRPr>
-      </a:lvl1pPr>
-      <a:lvl2pPr marL="742950" indent="-285750" algn="l" defTabSz="457200" rtl="0" eaLnBrk="1" latinLnBrk="0" hangingPunct="1">
-        <a:spcBef>
-          <a:spcPct val="20000"/>
-        </a:spcBef>
-        <a:buFont typeface="Arial"/>
-        <a:buChar char="–"/>
-        <a:defRPr sz="2800" kern="1200">
-          <a:solidFill>
-            <a:schemeClr val="tx1"/>
-          </a:solidFill>
-          <a:latin typeface="+mn-lt"/>
-          <a:ea typeface="+mn-ea"/>
-          <a:cs typeface="+mn-cs"/>
-        </a:defRPr>
-      </a:lvl2pPr>
-      <a:lvl3pPr marL="1143000" indent="-228600" algn="l" defTabSz="457200" rtl="0" eaLnBrk="1" latinLnBrk="0" hangingPunct="1">
-        <a:spcBef>
-          <a:spcPct val="20000"/>
-        </a:spcBef>
-        <a:buFont typeface="Arial"/>
+        <a:buClr>
+          <a:srgbClr val="FF6D2B"/>
+        </a:buClr>
+        <a:buSzPct val="85000"/>
+        <a:buFont typeface="Arial" pitchFamily="34" charset="0"/>
         <a:buChar char="•"/>
         <a:defRPr sz="2400" kern="1200">
           <a:solidFill>
             <a:schemeClr val="tx1"/>
           </a:solidFill>
-          <a:latin typeface="+mn-lt"/>
-          <a:ea typeface="+mn-ea"/>
-          <a:cs typeface="+mn-cs"/>
+          <a:latin typeface="Gill Sans MT" charset="0"/>
+          <a:ea typeface="Gill Sans MT" charset="0"/>
+          <a:cs typeface="Gill Sans MT" charset="0"/>
         </a:defRPr>
-      </a:lvl3pPr>
-      <a:lvl4pPr marL="1600200" indent="-228600" algn="l" defTabSz="457200" rtl="0" eaLnBrk="1" latinLnBrk="0" hangingPunct="1">
+      </a:lvl1pPr>
+      <a:lvl2pPr marL="457200" indent="-182880" algn="l" defTabSz="914400" rtl="0" eaLnBrk="1" latinLnBrk="0" hangingPunct="1">
         <a:spcBef>
           <a:spcPct val="20000"/>
         </a:spcBef>
-        <a:buFont typeface="Arial"/>
-        <a:buChar char="–"/>
+        <a:buClr>
+          <a:srgbClr val="FF6D2B"/>
+        </a:buClr>
+        <a:buSzPct val="85000"/>
+        <a:buFont typeface="Arial" pitchFamily="34" charset="0"/>
+        <a:buChar char="•"/>
         <a:defRPr sz="2000" kern="1200">
           <a:solidFill>
             <a:schemeClr val="tx1"/>
           </a:solidFill>
-          <a:latin typeface="+mn-lt"/>
-          <a:ea typeface="+mn-ea"/>
-          <a:cs typeface="+mn-cs"/>
+          <a:latin typeface="Gill Sans MT" charset="0"/>
+          <a:ea typeface="Gill Sans MT" charset="0"/>
+          <a:cs typeface="Gill Sans MT" charset="0"/>
         </a:defRPr>
-      </a:lvl4pPr>
-      <a:lvl5pPr marL="2057400" indent="-228600" algn="l" defTabSz="457200" rtl="0" eaLnBrk="1" latinLnBrk="0" hangingPunct="1">
+      </a:lvl2pPr>
+      <a:lvl3pPr marL="731520" indent="-182880" algn="l" defTabSz="914400" rtl="0" eaLnBrk="1" latinLnBrk="0" hangingPunct="1">
         <a:spcBef>
           <a:spcPct val="20000"/>
         </a:spcBef>
-        <a:buFont typeface="Arial"/>
-        <a:buChar char="»"/>
-        <a:defRPr sz="2000" kern="1200">
+        <a:buClr>
+          <a:srgbClr val="FF6D2B"/>
+        </a:buClr>
+        <a:buSzPct val="90000"/>
+        <a:buFont typeface="Arial" pitchFamily="34" charset="0"/>
+        <a:buChar char="•"/>
+        <a:defRPr sz="1800" kern="1200">
           <a:solidFill>
             <a:schemeClr val="tx1"/>
           </a:solidFill>
-          <a:latin typeface="+mn-lt"/>
-          <a:ea typeface="+mn-ea"/>
-          <a:cs typeface="+mn-cs"/>
+          <a:latin typeface="Gill Sans MT" charset="0"/>
+          <a:ea typeface="Gill Sans MT" charset="0"/>
+          <a:cs typeface="Gill Sans MT" charset="0"/>
         </a:defRPr>
-      </a:lvl5pPr>
-      <a:lvl6pPr marL="2514600" indent="-228600" algn="l" defTabSz="457200" rtl="0" eaLnBrk="1" latinLnBrk="0" hangingPunct="1">
+      </a:lvl3pPr>
+      <a:lvl4pPr marL="1005840" indent="-182880" algn="l" defTabSz="914400" rtl="0" eaLnBrk="1" latinLnBrk="0" hangingPunct="1">
         <a:spcBef>
           <a:spcPct val="20000"/>
         </a:spcBef>
-        <a:buFont typeface="Arial"/>
+        <a:buClr>
+          <a:srgbClr val="FF6D2B"/>
+        </a:buClr>
+        <a:buFont typeface="Arial" pitchFamily="34" charset="0"/>
         <a:buChar char="•"/>
-        <a:defRPr sz="2000" kern="1200">
+        <a:defRPr sz="1600" kern="1200">
+          <a:solidFill>
+            <a:schemeClr val="tx1"/>
+          </a:solidFill>
+          <a:latin typeface="Gill Sans MT" charset="0"/>
+          <a:ea typeface="Gill Sans MT" charset="0"/>
+          <a:cs typeface="Gill Sans MT" charset="0"/>
+        </a:defRPr>
+      </a:lvl4pPr>
+      <a:lvl5pPr marL="1188720" indent="-137160" algn="l" defTabSz="914400" rtl="0" eaLnBrk="1" latinLnBrk="0" hangingPunct="1">
+        <a:spcBef>
+          <a:spcPct val="20000"/>
+        </a:spcBef>
+        <a:buClr>
+          <a:srgbClr val="FF6D2B"/>
+        </a:buClr>
+        <a:buSzPct val="100000"/>
+        <a:buFont typeface="Arial" pitchFamily="34" charset="0"/>
+        <a:buChar char="•"/>
+        <a:defRPr sz="1400" kern="1200" baseline="0">
+          <a:solidFill>
+            <a:schemeClr val="tx1"/>
+          </a:solidFill>
+          <a:latin typeface="Gill Sans MT" charset="0"/>
+          <a:ea typeface="Gill Sans MT" charset="0"/>
+          <a:cs typeface="Gill Sans MT" charset="0"/>
+        </a:defRPr>
+      </a:lvl5pPr>
+      <a:lvl6pPr marL="1371600" indent="-182880" algn="l" defTabSz="914400" rtl="0" eaLnBrk="1" latinLnBrk="0" hangingPunct="1">
+        <a:spcBef>
+          <a:spcPct val="20000"/>
+        </a:spcBef>
+        <a:buClr>
+          <a:schemeClr val="accent1"/>
+        </a:buClr>
+        <a:buFont typeface="Arial" pitchFamily="34" charset="0"/>
+        <a:buChar char="•"/>
+        <a:defRPr sz="1300" kern="1200">
           <a:solidFill>
             <a:schemeClr val="tx1"/>
           </a:solidFill>
@@ -2956,13 +3444,16 @@
           <a:cs typeface="+mn-cs"/>
         </a:defRPr>
       </a:lvl6pPr>
-      <a:lvl7pPr marL="2971800" indent="-228600" algn="l" defTabSz="457200" rtl="0" eaLnBrk="1" latinLnBrk="0" hangingPunct="1">
+      <a:lvl7pPr marL="1554480" indent="-182880" algn="l" defTabSz="914400" rtl="0" eaLnBrk="1" latinLnBrk="0" hangingPunct="1">
         <a:spcBef>
           <a:spcPct val="20000"/>
         </a:spcBef>
-        <a:buFont typeface="Arial"/>
+        <a:buClr>
+          <a:schemeClr val="accent1"/>
+        </a:buClr>
+        <a:buFont typeface="Arial" pitchFamily="34" charset="0"/>
         <a:buChar char="•"/>
-        <a:defRPr sz="2000" kern="1200">
+        <a:defRPr sz="1300" kern="1200">
           <a:solidFill>
             <a:schemeClr val="tx1"/>
           </a:solidFill>
@@ -2971,13 +3462,16 @@
           <a:cs typeface="+mn-cs"/>
         </a:defRPr>
       </a:lvl7pPr>
-      <a:lvl8pPr marL="3429000" indent="-228600" algn="l" defTabSz="457200" rtl="0" eaLnBrk="1" latinLnBrk="0" hangingPunct="1">
+      <a:lvl8pPr marL="1737360" indent="-182880" algn="l" defTabSz="914400" rtl="0" eaLnBrk="1" latinLnBrk="0" hangingPunct="1">
         <a:spcBef>
           <a:spcPct val="20000"/>
         </a:spcBef>
-        <a:buFont typeface="Arial"/>
+        <a:buClr>
+          <a:schemeClr val="accent1"/>
+        </a:buClr>
+        <a:buFont typeface="Arial" pitchFamily="34" charset="0"/>
         <a:buChar char="•"/>
-        <a:defRPr sz="2000" kern="1200">
+        <a:defRPr sz="1300" kern="1200">
           <a:solidFill>
             <a:schemeClr val="tx1"/>
           </a:solidFill>
@@ -2986,13 +3480,16 @@
           <a:cs typeface="+mn-cs"/>
         </a:defRPr>
       </a:lvl8pPr>
-      <a:lvl9pPr marL="3886200" indent="-228600" algn="l" defTabSz="457200" rtl="0" eaLnBrk="1" latinLnBrk="0" hangingPunct="1">
+      <a:lvl9pPr marL="1920240" indent="-182880" algn="l" defTabSz="914400" rtl="0" eaLnBrk="1" latinLnBrk="0" hangingPunct="1">
         <a:spcBef>
           <a:spcPct val="20000"/>
         </a:spcBef>
-        <a:buFont typeface="Arial"/>
+        <a:buClr>
+          <a:schemeClr val="accent1"/>
+        </a:buClr>
+        <a:buFont typeface="Arial" pitchFamily="34" charset="0"/>
         <a:buChar char="•"/>
-        <a:defRPr sz="2000" kern="1200">
+        <a:defRPr sz="1300" kern="1200">
           <a:solidFill>
             <a:schemeClr val="tx1"/>
           </a:solidFill>
@@ -3006,7 +3503,7 @@
       <a:defPPr>
         <a:defRPr lang="en-US"/>
       </a:defPPr>
-      <a:lvl1pPr marL="0" algn="l" defTabSz="457200" rtl="0" eaLnBrk="1" latinLnBrk="0" hangingPunct="1">
+      <a:lvl1pPr marL="0" algn="l" defTabSz="914400" rtl="0" eaLnBrk="1" latinLnBrk="0" hangingPunct="1">
         <a:defRPr sz="1800" kern="1200">
           <a:solidFill>
             <a:schemeClr val="tx1"/>
@@ -3016,7 +3513,7 @@
           <a:cs typeface="+mn-cs"/>
         </a:defRPr>
       </a:lvl1pPr>
-      <a:lvl2pPr marL="457200" algn="l" defTabSz="457200" rtl="0" eaLnBrk="1" latinLnBrk="0" hangingPunct="1">
+      <a:lvl2pPr marL="457200" algn="l" defTabSz="914400" rtl="0" eaLnBrk="1" latinLnBrk="0" hangingPunct="1">
         <a:defRPr sz="1800" kern="1200">
           <a:solidFill>
             <a:schemeClr val="tx1"/>
@@ -3026,7 +3523,7 @@
           <a:cs typeface="+mn-cs"/>
         </a:defRPr>
       </a:lvl2pPr>
-      <a:lvl3pPr marL="914400" algn="l" defTabSz="457200" rtl="0" eaLnBrk="1" latinLnBrk="0" hangingPunct="1">
+      <a:lvl3pPr marL="914400" algn="l" defTabSz="914400" rtl="0" eaLnBrk="1" latinLnBrk="0" hangingPunct="1">
         <a:defRPr sz="1800" kern="1200">
           <a:solidFill>
             <a:schemeClr val="tx1"/>
@@ -3036,7 +3533,7 @@
           <a:cs typeface="+mn-cs"/>
         </a:defRPr>
       </a:lvl3pPr>
-      <a:lvl4pPr marL="1371600" algn="l" defTabSz="457200" rtl="0" eaLnBrk="1" latinLnBrk="0" hangingPunct="1">
+      <a:lvl4pPr marL="1371600" algn="l" defTabSz="914400" rtl="0" eaLnBrk="1" latinLnBrk="0" hangingPunct="1">
         <a:defRPr sz="1800" kern="1200">
           <a:solidFill>
             <a:schemeClr val="tx1"/>
@@ -3046,7 +3543,7 @@
           <a:cs typeface="+mn-cs"/>
         </a:defRPr>
       </a:lvl4pPr>
-      <a:lvl5pPr marL="1828800" algn="l" defTabSz="457200" rtl="0" eaLnBrk="1" latinLnBrk="0" hangingPunct="1">
+      <a:lvl5pPr marL="1828800" algn="l" defTabSz="914400" rtl="0" eaLnBrk="1" latinLnBrk="0" hangingPunct="1">
         <a:defRPr sz="1800" kern="1200">
           <a:solidFill>
             <a:schemeClr val="tx1"/>
@@ -3056,7 +3553,7 @@
           <a:cs typeface="+mn-cs"/>
         </a:defRPr>
       </a:lvl5pPr>
-      <a:lvl6pPr marL="2286000" algn="l" defTabSz="457200" rtl="0" eaLnBrk="1" latinLnBrk="0" hangingPunct="1">
+      <a:lvl6pPr marL="2286000" algn="l" defTabSz="914400" rtl="0" eaLnBrk="1" latinLnBrk="0" hangingPunct="1">
         <a:defRPr sz="1800" kern="1200">
           <a:solidFill>
             <a:schemeClr val="tx1"/>
@@ -3066,7 +3563,7 @@
           <a:cs typeface="+mn-cs"/>
         </a:defRPr>
       </a:lvl6pPr>
-      <a:lvl7pPr marL="2743200" algn="l" defTabSz="457200" rtl="0" eaLnBrk="1" latinLnBrk="0" hangingPunct="1">
+      <a:lvl7pPr marL="2743200" algn="l" defTabSz="914400" rtl="0" eaLnBrk="1" latinLnBrk="0" hangingPunct="1">
         <a:defRPr sz="1800" kern="1200">
           <a:solidFill>
             <a:schemeClr val="tx1"/>
@@ -3076,7 +3573,7 @@
           <a:cs typeface="+mn-cs"/>
         </a:defRPr>
       </a:lvl7pPr>
-      <a:lvl8pPr marL="3200400" algn="l" defTabSz="457200" rtl="0" eaLnBrk="1" latinLnBrk="0" hangingPunct="1">
+      <a:lvl8pPr marL="3200400" algn="l" defTabSz="914400" rtl="0" eaLnBrk="1" latinLnBrk="0" hangingPunct="1">
         <a:defRPr sz="1800" kern="1200">
           <a:solidFill>
             <a:schemeClr val="tx1"/>
@@ -3086,7 +3583,7 @@
           <a:cs typeface="+mn-cs"/>
         </a:defRPr>
       </a:lvl8pPr>
-      <a:lvl9pPr marL="3657600" algn="l" defTabSz="457200" rtl="0" eaLnBrk="1" latinLnBrk="0" hangingPunct="1">
+      <a:lvl9pPr marL="3657600" algn="l" defTabSz="914400" rtl="0" eaLnBrk="1" latinLnBrk="0" hangingPunct="1">
         <a:defRPr sz="1800" kern="1200">
           <a:solidFill>
             <a:schemeClr val="tx1"/>
@@ -3125,14 +3622,17 @@
             <a:spLocks noGrp="1"/>
           </p:cNvSpPr>
           <p:nvPr>
-            <p:ph type="ctrTitle"/>
+            <p:ph type="ctrTitle" hasCustomPrompt="1"/>
           </p:nvPr>
         </p:nvSpPr>
         <p:spPr>
           <a:xfrm>
-            <a:off x="685800" y="2130425"/>
-            <a:ext cx="7772400" cy="1470025"/>
-          </a:xfrm>
+            <a:off x="685800" y="1371600"/>
+            <a:ext cx="7848600" cy="1927225"/>
+          </a:xfrm>
+          <a:prstGeom prst="rect">
+            <a:avLst/>
+          </a:prstGeom>
         </p:spPr>
         <p:txBody>
           <a:bodyPr/>
@@ -3171,13 +3671,13 @@
             <a:spLocks noGrp="1"/>
           </p:cNvSpPr>
           <p:nvPr>
-            <p:ph type="subTitle" idx="1"/>
+            <p:ph type="subTitle" idx="1" hasCustomPrompt="1"/>
           </p:nvPr>
         </p:nvSpPr>
         <p:spPr>
           <a:xfrm>
-            <a:off x="1371600" y="3886200"/>
-            <a:ext cx="6400800" cy="1752600"/>
+            <a:off x="685800" y="3505200"/>
+            <a:ext cx="7848600" cy="1752600"/>
           </a:xfrm>
         </p:spPr>
         <p:txBody>
@@ -3274,10 +3774,18 @@
             <a:spLocks noGrp="1"/>
           </p:cNvSpPr>
           <p:nvPr>
-            <p:ph type="title"/>
-          </p:nvPr>
-        </p:nvSpPr>
-        <p:spPr/>
+            <p:ph type="title" hasCustomPrompt="1"/>
+          </p:nvPr>
+        </p:nvSpPr>
+        <p:spPr>
+          <a:xfrm>
+            <a:off x="457200" y="533400"/>
+            <a:ext cx="7864475" cy="990600"/>
+          </a:xfrm>
+          <a:prstGeom prst="rect">
+            <a:avLst/>
+          </a:prstGeom>
+        </p:spPr>
         <p:txBody>
           <a:bodyPr/>
           <a:lstStyle/>
@@ -3351,7 +3859,7 @@
             </a:r>
             <a:r>
               <a:rPr/>
-              <a:t>Code</a:t>
+              <a:t>(debtPlot())</a:t>
             </a:r>
           </a:p>
         </p:txBody>
@@ -3372,8 +3880,8 @@
         </p:blipFill>
         <p:spPr bwMode="auto">
           <a:xfrm>
-            <a:off x="952500" y="1600200"/>
-            <a:ext cx="7239000" cy="4521200"/>
+            <a:off x="673100" y="1600200"/>
+            <a:ext cx="7797800" cy="4876800"/>
           </a:xfrm>
           <a:prstGeom prst="rect">
             <a:avLst/>
@@ -3415,10 +3923,18 @@
             <a:spLocks noGrp="1"/>
           </p:cNvSpPr>
           <p:nvPr>
-            <p:ph type="title"/>
-          </p:nvPr>
-        </p:nvSpPr>
-        <p:spPr/>
+            <p:ph type="title" hasCustomPrompt="1"/>
+          </p:nvPr>
+        </p:nvSpPr>
+        <p:spPr>
+          <a:xfrm>
+            <a:off x="457200" y="533400"/>
+            <a:ext cx="7864475" cy="990600"/>
+          </a:xfrm>
+          <a:prstGeom prst="rect">
+            <a:avLst/>
+          </a:prstGeom>
+        </p:spPr>
         <p:txBody>
           <a:bodyPr/>
           <a:lstStyle/>
@@ -3492,7 +4008,7 @@
             </a:r>
             <a:r>
               <a:rPr/>
-              <a:t>Code</a:t>
+              <a:t>(linePlot())</a:t>
             </a:r>
           </a:p>
         </p:txBody>
@@ -3513,8 +4029,8 @@
         </p:blipFill>
         <p:spPr bwMode="auto">
           <a:xfrm>
-            <a:off x="952500" y="1600200"/>
-            <a:ext cx="7239000" cy="4521200"/>
+            <a:off x="673100" y="1600200"/>
+            <a:ext cx="7797800" cy="4876800"/>
           </a:xfrm>
           <a:prstGeom prst="rect">
             <a:avLst/>
@@ -3556,10 +4072,18 @@
             <a:spLocks noGrp="1"/>
           </p:cNvSpPr>
           <p:nvPr>
-            <p:ph type="title"/>
-          </p:nvPr>
-        </p:nvSpPr>
-        <p:spPr/>
+            <p:ph type="title" hasCustomPrompt="1"/>
+          </p:nvPr>
+        </p:nvSpPr>
+        <p:spPr>
+          <a:xfrm>
+            <a:off x="457200" y="533400"/>
+            <a:ext cx="7864475" cy="990600"/>
+          </a:xfrm>
+          <a:prstGeom prst="rect">
+            <a:avLst/>
+          </a:prstGeom>
+        </p:spPr>
         <p:txBody>
           <a:bodyPr/>
           <a:lstStyle/>
@@ -3601,7 +4125,7 @@
             </a:r>
             <a:r>
               <a:rPr/>
-              <a:t>Code</a:t>
+              <a:t>(custom)</a:t>
             </a:r>
           </a:p>
         </p:txBody>
@@ -3622,8 +4146,8 @@
         </p:blipFill>
         <p:spPr bwMode="auto">
           <a:xfrm>
-            <a:off x="952500" y="1600200"/>
-            <a:ext cx="7239000" cy="4521200"/>
+            <a:off x="673100" y="1600200"/>
+            <a:ext cx="7797800" cy="4876800"/>
           </a:xfrm>
           <a:prstGeom prst="rect">
             <a:avLst/>
@@ -3665,10 +4189,18 @@
             <a:spLocks noGrp="1"/>
           </p:cNvSpPr>
           <p:nvPr>
-            <p:ph type="title"/>
-          </p:nvPr>
-        </p:nvSpPr>
-        <p:spPr/>
+            <p:ph type="title" hasCustomPrompt="1"/>
+          </p:nvPr>
+        </p:nvSpPr>
+        <p:spPr>
+          <a:xfrm>
+            <a:off x="457200" y="533400"/>
+            <a:ext cx="7864475" cy="990600"/>
+          </a:xfrm>
+          <a:prstGeom prst="rect">
+            <a:avLst/>
+          </a:prstGeom>
+        </p:spPr>
         <p:txBody>
           <a:bodyPr/>
           <a:lstStyle/>
@@ -3718,7 +4250,7 @@
             </a:r>
             <a:r>
               <a:rPr/>
-              <a:t>Code</a:t>
+              <a:t>(custom)</a:t>
             </a:r>
           </a:p>
         </p:txBody>
@@ -3739,8 +4271,8 @@
         </p:blipFill>
         <p:spPr bwMode="auto">
           <a:xfrm>
-            <a:off x="952500" y="1600200"/>
-            <a:ext cx="7239000" cy="4521200"/>
+            <a:off x="673100" y="1600200"/>
+            <a:ext cx="7797800" cy="4876800"/>
           </a:xfrm>
           <a:prstGeom prst="rect">
             <a:avLst/>
@@ -3782,10 +4314,18 @@
             <a:spLocks noGrp="1"/>
           </p:cNvSpPr>
           <p:nvPr>
-            <p:ph type="title"/>
-          </p:nvPr>
-        </p:nvSpPr>
-        <p:spPr/>
+            <p:ph type="title" hasCustomPrompt="1"/>
+          </p:nvPr>
+        </p:nvSpPr>
+        <p:spPr>
+          <a:xfrm>
+            <a:off x="457200" y="533400"/>
+            <a:ext cx="7864475" cy="990600"/>
+          </a:xfrm>
+          <a:prstGeom prst="rect">
+            <a:avLst/>
+          </a:prstGeom>
+        </p:spPr>
         <p:txBody>
           <a:bodyPr/>
           <a:lstStyle/>
@@ -3843,7 +4383,7 @@
             </a:r>
             <a:r>
               <a:rPr/>
-              <a:t>Saved</a:t>
+              <a:t>R</a:t>
             </a:r>
             <a:r>
               <a:rPr/>
@@ -3851,7 +4391,15 @@
             </a:r>
             <a:r>
               <a:rPr/>
-              <a:t>Img</a:t>
+              <a:t>(Saved</a:t>
+            </a:r>
+            <a:r>
+              <a:rPr/>
+              <a:t> </a:t>
+            </a:r>
+            <a:r>
+              <a:rPr/>
+              <a:t>Img)</a:t>
             </a:r>
           </a:p>
         </p:txBody>
@@ -3872,8 +4420,8 @@
         </p:blipFill>
         <p:spPr bwMode="auto">
           <a:xfrm>
-            <a:off x="2095500" y="1600200"/>
-            <a:ext cx="4965700" cy="4521200"/>
+            <a:off x="1892300" y="1600200"/>
+            <a:ext cx="5346700" cy="4876800"/>
           </a:xfrm>
           <a:prstGeom prst="rect">
             <a:avLst/>
@@ -3915,10 +4463,18 @@
             <a:spLocks noGrp="1"/>
           </p:cNvSpPr>
           <p:nvPr>
-            <p:ph type="title"/>
-          </p:nvPr>
-        </p:nvSpPr>
-        <p:spPr/>
+            <p:ph type="title" hasCustomPrompt="1"/>
+          </p:nvPr>
+        </p:nvSpPr>
+        <p:spPr>
+          <a:xfrm>
+            <a:off x="457200" y="533400"/>
+            <a:ext cx="7864475" cy="990600"/>
+          </a:xfrm>
+          <a:prstGeom prst="rect">
+            <a:avLst/>
+          </a:prstGeom>
+        </p:spPr>
         <p:txBody>
           <a:bodyPr/>
           <a:lstStyle/>
@@ -3984,7 +4540,7 @@
             </a:r>
             <a:r>
               <a:rPr/>
-              <a:t>Saved</a:t>
+              <a:t>R</a:t>
             </a:r>
             <a:r>
               <a:rPr/>
@@ -3992,7 +4548,15 @@
             </a:r>
             <a:r>
               <a:rPr/>
-              <a:t>Img</a:t>
+              <a:t>(Saved</a:t>
+            </a:r>
+            <a:r>
+              <a:rPr/>
+              <a:t> </a:t>
+            </a:r>
+            <a:r>
+              <a:rPr/>
+              <a:t>Img)</a:t>
             </a:r>
           </a:p>
         </p:txBody>
@@ -4013,8 +4577,8 @@
         </p:blipFill>
         <p:spPr bwMode="auto">
           <a:xfrm>
-            <a:off x="1676400" y="1600200"/>
-            <a:ext cx="5803900" cy="4521200"/>
+            <a:off x="1447800" y="1600200"/>
+            <a:ext cx="6261100" cy="4876800"/>
           </a:xfrm>
           <a:prstGeom prst="rect">
             <a:avLst/>
@@ -4056,10 +4620,18 @@
             <a:spLocks noGrp="1"/>
           </p:cNvSpPr>
           <p:nvPr>
-            <p:ph type="title"/>
-          </p:nvPr>
-        </p:nvSpPr>
-        <p:spPr/>
+            <p:ph type="title" hasCustomPrompt="1"/>
+          </p:nvPr>
+        </p:nvSpPr>
+        <p:spPr>
+          <a:xfrm>
+            <a:off x="457200" y="533400"/>
+            <a:ext cx="7864475" cy="990600"/>
+          </a:xfrm>
+          <a:prstGeom prst="rect">
+            <a:avLst/>
+          </a:prstGeom>
+        </p:spPr>
         <p:txBody>
           <a:bodyPr/>
           <a:lstStyle/>
@@ -4123,7 +4695,7 @@
 </file>
 
 <file path=ppt/theme/theme1.xml><?xml version="1.0" encoding="utf-8"?>
-<a:theme xmlns:a="http://schemas.openxmlformats.org/drawingml/2006/main" name="Office Theme">
+<a:theme xmlns:a="http://schemas.openxmlformats.org/drawingml/2006/main" name="Clarity">
   <a:themeElements>
     <a:clrScheme name="Office">
       <a:dk1>
@@ -4133,52 +4705,52 @@
         <a:sysClr val="window" lastClr="FFFFFF"/>
       </a:lt1>
       <a:dk2>
-        <a:srgbClr val="1F497D"/>
+        <a:srgbClr val="44546A"/>
       </a:dk2>
       <a:lt2>
-        <a:srgbClr val="EEECE1"/>
+        <a:srgbClr val="E7E6E6"/>
       </a:lt2>
       <a:accent1>
-        <a:srgbClr val="4F81BD"/>
+        <a:srgbClr val="4472C4"/>
       </a:accent1>
       <a:accent2>
-        <a:srgbClr val="C0504D"/>
+        <a:srgbClr val="ED7D31"/>
       </a:accent2>
       <a:accent3>
-        <a:srgbClr val="9BBB59"/>
+        <a:srgbClr val="A5A5A5"/>
       </a:accent3>
       <a:accent4>
-        <a:srgbClr val="8064A2"/>
+        <a:srgbClr val="FFC000"/>
       </a:accent4>
       <a:accent5>
-        <a:srgbClr val="4BACC6"/>
+        <a:srgbClr val="5B9BD5"/>
       </a:accent5>
       <a:accent6>
-        <a:srgbClr val="F79646"/>
+        <a:srgbClr val="70AD47"/>
       </a:accent6>
       <a:hlink>
-        <a:srgbClr val="0000FF"/>
+        <a:srgbClr val="0563C1"/>
       </a:hlink>
       <a:folHlink>
-        <a:srgbClr val="800080"/>
+        <a:srgbClr val="954F72"/>
       </a:folHlink>
     </a:clrScheme>
-    <a:fontScheme name="Office">
+    <a:fontScheme name="Office Classic 2">
       <a:majorFont>
-        <a:latin typeface="Calibri"/>
+        <a:latin typeface="Arial"/>
         <a:ea typeface=""/>
         <a:cs typeface=""/>
         <a:font script="Jpan" typeface="ＭＳ Ｐゴシック"/>
-        <a:font script="Hang" typeface="맑은 고딕"/>
-        <a:font script="Hans" typeface="宋体"/>
-        <a:font script="Hant" typeface="新細明體"/>
-        <a:font script="Arab" typeface="Times New Roman"/>
-        <a:font script="Hebr" typeface="Times New Roman"/>
-        <a:font script="Thai" typeface="Angsana New"/>
+        <a:font script="Hang" typeface="돋움"/>
+        <a:font script="Hans" typeface="华文新魏"/>
+        <a:font script="Hant" typeface="微軟正黑體"/>
+        <a:font script="Arab" typeface="Arial"/>
+        <a:font script="Hebr" typeface="Arial"/>
+        <a:font script="Thai" typeface="Cordia New"/>
         <a:font script="Ethi" typeface="Nyala"/>
         <a:font script="Beng" typeface="Vrinda"/>
         <a:font script="Gujr" typeface="Shruti"/>
-        <a:font script="Khmr" typeface="MoolBoran"/>
+        <a:font script="Khmr" typeface="DaunPenh"/>
         <a:font script="Knda" typeface="Tunga"/>
         <a:font script="Guru" typeface="Raavi"/>
         <a:font script="Cans" typeface="Euphemia"/>
@@ -4195,18 +4767,18 @@
         <a:font script="Laoo" typeface="DokChampa"/>
         <a:font script="Sinh" typeface="Iskoola Pota"/>
         <a:font script="Mong" typeface="Mongolian Baiti"/>
-        <a:font script="Viet" typeface="Times New Roman"/>
+        <a:font script="Viet" typeface="Arial"/>
         <a:font script="Uigh" typeface="Microsoft Uighur"/>
         <a:font script="Geor" typeface="Sylfaen"/>
       </a:majorFont>
       <a:minorFont>
-        <a:latin typeface="Calibri"/>
+        <a:latin typeface="Arial"/>
         <a:ea typeface=""/>
         <a:cs typeface=""/>
         <a:font script="Jpan" typeface="ＭＳ Ｐゴシック"/>
-        <a:font script="Hang" typeface="맑은 고딕"/>
-        <a:font script="Hans" typeface="宋体"/>
-        <a:font script="Hant" typeface="新細明體"/>
+        <a:font script="Hang" typeface="돋움"/>
+        <a:font script="Hans" typeface="华文新魏"/>
+        <a:font script="Hant" typeface="微軟正黑體"/>
         <a:font script="Arab" typeface="Arial"/>
         <a:font script="Hebr" typeface="Arial"/>
         <a:font script="Thai" typeface="Cordia New"/>
@@ -4235,7 +4807,7 @@
         <a:font script="Geor" typeface="Sylfaen"/>
       </a:minorFont>
     </a:fontScheme>
-    <a:fmtScheme name="Office">
+    <a:fmtScheme name="Clarity">
       <a:fillStyleLst>
         <a:solidFill>
           <a:schemeClr val="phClr"/>
@@ -4245,61 +4817,75 @@
             <a:gs pos="0">
               <a:schemeClr val="phClr">
                 <a:tint val="50000"/>
-                <a:satMod val="300000"/>
+                <a:shade val="86000"/>
+                <a:satMod val="140000"/>
               </a:schemeClr>
             </a:gs>
-            <a:gs pos="35000">
+            <a:gs pos="45000">
               <a:schemeClr val="phClr">
-                <a:tint val="37000"/>
-                <a:satMod val="300000"/>
+                <a:tint val="48000"/>
+                <a:satMod val="150000"/>
               </a:schemeClr>
             </a:gs>
             <a:gs pos="100000">
               <a:schemeClr val="phClr">
-                <a:tint val="15000"/>
-                <a:satMod val="350000"/>
+                <a:tint val="28000"/>
+                <a:satMod val="160000"/>
               </a:schemeClr>
             </a:gs>
           </a:gsLst>
-          <a:lin ang="16200000" scaled="1"/>
+          <a:path path="circle">
+            <a:fillToRect l="100000" t="100000" r="100000" b="100000"/>
+          </a:path>
         </a:gradFill>
         <a:gradFill rotWithShape="1">
           <a:gsLst>
             <a:gs pos="0">
               <a:schemeClr val="phClr">
+                <a:shade val="70000"/>
+                <a:satMod val="150000"/>
+              </a:schemeClr>
+            </a:gs>
+            <a:gs pos="34000">
+              <a:schemeClr val="phClr">
+                <a:shade val="70000"/>
+                <a:satMod val="140000"/>
+              </a:schemeClr>
+            </a:gs>
+            <a:gs pos="70000">
+              <a:schemeClr val="phClr">
                 <a:tint val="100000"/>
-                <a:shade val="100000"/>
-                <a:satMod val="130000"/>
+                <a:shade val="90000"/>
+                <a:satMod val="140000"/>
               </a:schemeClr>
             </a:gs>
             <a:gs pos="100000">
               <a:schemeClr val="phClr">
-                <a:tint val="50000"/>
+                <a:tint val="100000"/>
                 <a:shade val="100000"/>
-                <a:satMod val="350000"/>
+                <a:satMod val="100000"/>
               </a:schemeClr>
             </a:gs>
           </a:gsLst>
-          <a:lin ang="16200000" scaled="0"/>
+          <a:path path="circle">
+            <a:fillToRect l="100000" t="100000" r="100000" b="100000"/>
+          </a:path>
         </a:gradFill>
       </a:fillStyleLst>
       <a:lnStyleLst>
         <a:ln w="9525" cap="flat" cmpd="sng" algn="ctr">
           <a:solidFill>
-            <a:schemeClr val="phClr">
-              <a:shade val="95000"/>
-              <a:satMod val="105000"/>
-            </a:schemeClr>
+            <a:schemeClr val="phClr"/>
           </a:solidFill>
           <a:prstDash val="solid"/>
         </a:ln>
-        <a:ln w="25400" cap="flat" cmpd="sng" algn="ctr">
+        <a:ln w="26425" cap="flat" cmpd="sng" algn="ctr">
           <a:solidFill>
             <a:schemeClr val="phClr"/>
           </a:solidFill>
           <a:prstDash val="solid"/>
         </a:ln>
-        <a:ln w="38100" cap="flat" cmpd="sng" algn="ctr">
+        <a:ln w="44450" cap="flat" cmpd="sng" algn="ctr">
           <a:solidFill>
             <a:schemeClr val="phClr"/>
           </a:solidFill>
@@ -4308,28 +4894,22 @@
       </a:lnStyleLst>
       <a:effectStyleLst>
         <a:effectStyle>
+          <a:effectLst/>
+        </a:effectStyle>
+        <a:effectStyle>
           <a:effectLst>
-            <a:outerShdw blurRad="40000" dist="20000" dir="5400000" rotWithShape="0">
+            <a:outerShdw blurRad="38100" dist="25400" dir="2700000" algn="br" rotWithShape="0">
               <a:srgbClr val="000000">
-                <a:alpha val="38000"/>
+                <a:alpha val="60000"/>
               </a:srgbClr>
             </a:outerShdw>
           </a:effectLst>
         </a:effectStyle>
         <a:effectStyle>
           <a:effectLst>
-            <a:outerShdw blurRad="40000" dist="23000" dir="5400000" rotWithShape="0">
+            <a:outerShdw blurRad="38100" dist="25400" dir="2700000" algn="br" rotWithShape="0">
               <a:srgbClr val="000000">
-                <a:alpha val="35000"/>
-              </a:srgbClr>
-            </a:outerShdw>
-          </a:effectLst>
-        </a:effectStyle>
-        <a:effectStyle>
-          <a:effectLst>
-            <a:outerShdw blurRad="40000" dist="23000" dir="5400000" rotWithShape="0">
-              <a:srgbClr val="000000">
-                <a:alpha val="35000"/>
+                <a:alpha val="60000"/>
               </a:srgbClr>
             </a:outerShdw>
           </a:effectLst>
@@ -4337,12 +4917,18 @@
             <a:camera prst="orthographicFront">
               <a:rot lat="0" lon="0" rev="0"/>
             </a:camera>
-            <a:lightRig rig="threePt" dir="t">
-              <a:rot lat="0" lon="0" rev="1200000"/>
+            <a:lightRig rig="balanced" dir="t">
+              <a:rot lat="0" lon="0" rev="5100000"/>
             </a:lightRig>
           </a:scene3d>
-          <a:sp3d>
-            <a:bevelT w="63500" h="25400"/>
+          <a:sp3d contourW="6350">
+            <a:bevelT w="29210" h="12700"/>
+            <a:contourClr>
+              <a:schemeClr val="phClr">
+                <a:shade val="30000"/>
+                <a:satMod val="130000"/>
+              </a:schemeClr>
+            </a:contourClr>
           </a:sp3d>
         </a:effectStyle>
       </a:effectStyleLst>
@@ -4354,90 +4940,49 @@
           <a:gsLst>
             <a:gs pos="0">
               <a:schemeClr val="phClr">
-                <a:tint val="40000"/>
-                <a:satMod val="350000"/>
+                <a:tint val="85000"/>
+                <a:satMod val="180000"/>
               </a:schemeClr>
             </a:gs>
             <a:gs pos="40000">
               <a:schemeClr val="phClr">
-                <a:tint val="45000"/>
-                <a:shade val="99000"/>
-                <a:satMod val="350000"/>
+                <a:tint val="95000"/>
+                <a:shade val="85000"/>
+                <a:satMod val="150000"/>
               </a:schemeClr>
             </a:gs>
             <a:gs pos="100000">
               <a:schemeClr val="phClr">
-                <a:shade val="20000"/>
-                <a:satMod val="255000"/>
-              </a:schemeClr>
-            </a:gs>
-          </a:gsLst>
-          <a:path path="circle">
-            <a:fillToRect l="50000" t="-80000" r="50000" b="180000"/>
-          </a:path>
-        </a:gradFill>
-        <a:gradFill rotWithShape="1">
-          <a:gsLst>
-            <a:gs pos="0">
-              <a:schemeClr val="phClr">
-                <a:tint val="80000"/>
-                <a:satMod val="300000"/>
-              </a:schemeClr>
-            </a:gs>
-            <a:gs pos="100000">
-              <a:schemeClr val="phClr">
-                <a:shade val="30000"/>
+                <a:shade val="45000"/>
                 <a:satMod val="200000"/>
               </a:schemeClr>
             </a:gs>
           </a:gsLst>
-          <a:path path="circle">
-            <a:fillToRect l="50000" t="50000" r="50000" b="50000"/>
-          </a:path>
+          <a:lin ang="5400000" scaled="0"/>
         </a:gradFill>
+        <a:blipFill rotWithShape="1">
+          <a:blip xmlns:r="http://schemas.openxmlformats.org/officeDocument/2006/relationships" r:embed="rId1">
+            <a:duotone>
+              <a:schemeClr val="phClr">
+                <a:shade val="55000"/>
+              </a:schemeClr>
+              <a:schemeClr val="phClr">
+                <a:tint val="97000"/>
+                <a:satMod val="95000"/>
+              </a:schemeClr>
+            </a:duotone>
+          </a:blip>
+          <a:tile tx="0" ty="0" sx="70000" sy="70000" flip="none" algn="tl"/>
+        </a:blipFill>
       </a:bgFillStyleLst>
     </a:fmtScheme>
   </a:themeElements>
-  <a:objectDefaults>
-    <a:spDef>
-      <a:spPr/>
-      <a:bodyPr/>
-      <a:lstStyle/>
-      <a:style>
-        <a:lnRef idx="1">
-          <a:schemeClr val="accent1"/>
-        </a:lnRef>
-        <a:fillRef idx="3">
-          <a:schemeClr val="accent1"/>
-        </a:fillRef>
-        <a:effectRef idx="2">
-          <a:schemeClr val="accent1"/>
-        </a:effectRef>
-        <a:fontRef idx="minor">
-          <a:schemeClr val="lt1"/>
-        </a:fontRef>
-      </a:style>
-    </a:spDef>
-    <a:lnDef>
-      <a:spPr/>
-      <a:bodyPr/>
-      <a:lstStyle/>
-      <a:style>
-        <a:lnRef idx="2">
-          <a:schemeClr val="accent1"/>
-        </a:lnRef>
-        <a:fillRef idx="0">
-          <a:schemeClr val="accent1"/>
-        </a:fillRef>
-        <a:effectRef idx="1">
-          <a:schemeClr val="accent1"/>
-        </a:effectRef>
-        <a:fontRef idx="minor">
-          <a:schemeClr val="tx1"/>
-        </a:fontRef>
-      </a:style>
-    </a:lnDef>
-  </a:objectDefaults>
+  <a:objectDefaults/>
   <a:extraClrSchemeLst/>
+  <a:extLst>
+    <a:ext uri="{05A4C25C-085E-4340-85A3-A5531E510DB2}">
+      <thm15:themeFamily xmlns:thm15="http://schemas.microsoft.com/office/thememl/2012/main" name="template_III.potx" id="{38E5262C-03D5-497F-9755-9FD18792ECE0}" vid="{A569D75D-2A09-4420-AC85-B12C3A07ACD1}"/>
+    </a:ext>
+  </a:extLst>
 </a:theme>
 </file>